--- a/Website Launch Plan.pptx
+++ b/Website Launch Plan.pptx
@@ -1,75 +1,47 @@
 
 <file path=ppt/presentation.xml><?xml version="1.0" encoding="utf-8"?>
-<p:presentation xmlns:a="http://schemas.openxmlformats.org/drawingml/2006/main" xmlns:r="http://schemas.openxmlformats.org/officeDocument/2006/relationships" xmlns:p="http://schemas.openxmlformats.org/presentationml/2006/main" saveSubsetFonts="1" embedTrueTypeFonts="true">
+<p:presentation xmlns:a="http://schemas.openxmlformats.org/drawingml/2006/main" xmlns:r="http://schemas.openxmlformats.org/officeDocument/2006/relationships" xmlns:p="http://schemas.openxmlformats.org/presentationml/2006/main" embedTrueTypeFonts="1" saveSubsetFonts="1">
   <p:sldMasterIdLst>
     <p:sldMasterId id="2147483648" r:id="rId1"/>
   </p:sldMasterIdLst>
+  <p:notesMasterIdLst>
+    <p:notesMasterId r:id="rId10"/>
+  </p:notesMasterIdLst>
   <p:sldIdLst>
-    <p:sldId id="256" r:id="rId20"/>
-    <p:sldId id="257" r:id="rId21"/>
-    <p:sldId id="258" r:id="rId22"/>
-    <p:sldId id="259" r:id="rId23"/>
-    <p:sldId id="260" r:id="rId24"/>
-    <p:sldId id="261" r:id="rId25"/>
+    <p:sldId id="256" r:id="rId2"/>
+    <p:sldId id="257" r:id="rId3"/>
+    <p:sldId id="258" r:id="rId4"/>
+    <p:sldId id="262" r:id="rId5"/>
+    <p:sldId id="259" r:id="rId6"/>
+    <p:sldId id="260" r:id="rId7"/>
+    <p:sldId id="261" r:id="rId8"/>
+    <p:sldId id="263" r:id="rId9"/>
   </p:sldIdLst>
   <p:sldSz cx="18288000" cy="10287000"/>
   <p:notesSz cx="6858000" cy="9144000"/>
   <p:embeddedFontLst>
     <p:embeddedFont>
-      <p:font typeface="Arimo" charset="1" panose="020B0604020202020204"/>
-      <p:regular r:id="rId6"/>
+      <p:font typeface="Calibri" panose="020F0502020204030204" pitchFamily="34" charset="0"/>
+      <p:regular r:id="rId11"/>
+      <p:bold r:id="rId12"/>
+      <p:italic r:id="rId13"/>
+      <p:boldItalic r:id="rId14"/>
     </p:embeddedFont>
     <p:embeddedFont>
-      <p:font typeface="Arimo Bold" charset="1" panose="020B0704020202020204"/>
-      <p:regular r:id="rId7"/>
-    </p:embeddedFont>
-    <p:embeddedFont>
-      <p:font typeface="Arimo Italics" charset="1" panose="020B0604020202090204"/>
-      <p:regular r:id="rId8"/>
-    </p:embeddedFont>
-    <p:embeddedFont>
-      <p:font typeface="Arimo Bold Italics" charset="1" panose="020B0704020202090204"/>
-      <p:regular r:id="rId9"/>
-    </p:embeddedFont>
-    <p:embeddedFont>
-      <p:font typeface="DM Sans" charset="1" panose="00000000000000000000"/>
-      <p:regular r:id="rId10"/>
-    </p:embeddedFont>
-    <p:embeddedFont>
-      <p:font typeface="DM Sans Bold" charset="1" panose="00000000000000000000"/>
-      <p:regular r:id="rId11"/>
-    </p:embeddedFont>
-    <p:embeddedFont>
-      <p:font typeface="DM Sans Italics" charset="1" panose="00000000000000000000"/>
-      <p:regular r:id="rId12"/>
-    </p:embeddedFont>
-    <p:embeddedFont>
-      <p:font typeface="DM Sans Bold Italics" charset="1" panose="00000000000000000000"/>
-      <p:regular r:id="rId13"/>
-    </p:embeddedFont>
-    <p:embeddedFont>
-      <p:font typeface="Canva Sans" charset="1" panose="020B0503030501040103"/>
-      <p:regular r:id="rId14"/>
-    </p:embeddedFont>
-    <p:embeddedFont>
-      <p:font typeface="Canva Sans Bold" charset="1" panose="020B0803030501040103"/>
+      <p:font typeface="Canva Sans" panose="020B0604020202020204" charset="0"/>
       <p:regular r:id="rId15"/>
     </p:embeddedFont>
     <p:embeddedFont>
-      <p:font typeface="Canva Sans Italics" charset="1" panose="020B0503030501040103"/>
+      <p:font typeface="Canva Sans Bold" panose="020B0604020202020204" charset="0"/>
       <p:regular r:id="rId16"/>
     </p:embeddedFont>
     <p:embeddedFont>
-      <p:font typeface="Canva Sans Bold Italics" charset="1" panose="020B0803030501040103"/>
+      <p:font typeface="DM Sans" pitchFamily="2" charset="0"/>
       <p:regular r:id="rId17"/>
     </p:embeddedFont>
     <p:embeddedFont>
-      <p:font typeface="Canva Sans Medium" charset="1" panose="020B0603030501040103"/>
+      <p:font typeface="DM Sans Bold" charset="0"/>
       <p:regular r:id="rId18"/>
-    </p:embeddedFont>
-    <p:embeddedFont>
-      <p:font typeface="Canva Sans Medium Italics" charset="1" panose="020B0603030501040103"/>
-      <p:regular r:id="rId19"/>
     </p:embeddedFont>
   </p:embeddedFontLst>
   <p:defaultTextStyle>
@@ -167,7 +139,373 @@
       </a:defRPr>
     </a:lvl9pPr>
   </p:defaultTextStyle>
+  <p:extLst>
+    <p:ext uri="{EFAFB233-063F-42B5-8137-9DF3F51BA10A}">
+      <p15:sldGuideLst xmlns:p15="http://schemas.microsoft.com/office/powerpoint/2012/main">
+        <p15:guide id="1" orient="horz" pos="2160">
+          <p15:clr>
+            <a:srgbClr val="A4A3A4"/>
+          </p15:clr>
+        </p15:guide>
+        <p15:guide id="2" pos="2880">
+          <p15:clr>
+            <a:srgbClr val="A4A3A4"/>
+          </p15:clr>
+        </p15:guide>
+      </p15:sldGuideLst>
+    </p:ext>
+  </p:extLst>
 </p:presentation>
+</file>
+
+<file path=ppt/notesMasters/notesMaster1.xml><?xml version="1.0" encoding="utf-8"?>
+<p:notesMaster xmlns:a="http://schemas.openxmlformats.org/drawingml/2006/main" xmlns:r="http://schemas.openxmlformats.org/officeDocument/2006/relationships" xmlns:p="http://schemas.openxmlformats.org/presentationml/2006/main">
+  <p:cSld>
+    <p:bg>
+      <p:bgRef idx="1001">
+        <a:schemeClr val="bg1"/>
+      </p:bgRef>
+    </p:bg>
+    <p:spTree>
+      <p:nvGrpSpPr>
+        <p:cNvPr id="1" name=""/>
+        <p:cNvGrpSpPr/>
+        <p:nvPr/>
+      </p:nvGrpSpPr>
+      <p:grpSpPr>
+        <a:xfrm>
+          <a:off x="0" y="0"/>
+          <a:ext cx="0" cy="0"/>
+          <a:chOff x="0" y="0"/>
+          <a:chExt cx="0" cy="0"/>
+        </a:xfrm>
+      </p:grpSpPr>
+      <p:sp>
+        <p:nvSpPr>
+          <p:cNvPr id="2" name="Header Placeholder 1"/>
+          <p:cNvSpPr>
+            <a:spLocks noGrp="1"/>
+          </p:cNvSpPr>
+          <p:nvPr>
+            <p:ph type="hdr" sz="quarter"/>
+          </p:nvPr>
+        </p:nvSpPr>
+        <p:spPr>
+          <a:xfrm>
+            <a:off x="0" y="0"/>
+            <a:ext cx="2971800" cy="458788"/>
+          </a:xfrm>
+          <a:prstGeom prst="rect">
+            <a:avLst/>
+          </a:prstGeom>
+        </p:spPr>
+        <p:txBody>
+          <a:bodyPr vert="horz" lIns="91440" tIns="45720" rIns="91440" bIns="45720" rtlCol="0"/>
+          <a:lstStyle>
+            <a:lvl1pPr algn="l">
+              <a:defRPr sz="1200"/>
+            </a:lvl1pPr>
+          </a:lstStyle>
+          <a:p>
+            <a:endParaRPr lang="LID4096"/>
+          </a:p>
+        </p:txBody>
+      </p:sp>
+      <p:sp>
+        <p:nvSpPr>
+          <p:cNvPr id="3" name="Date Placeholder 2"/>
+          <p:cNvSpPr>
+            <a:spLocks noGrp="1"/>
+          </p:cNvSpPr>
+          <p:nvPr>
+            <p:ph type="dt" idx="1"/>
+          </p:nvPr>
+        </p:nvSpPr>
+        <p:spPr>
+          <a:xfrm>
+            <a:off x="3884613" y="0"/>
+            <a:ext cx="2971800" cy="458788"/>
+          </a:xfrm>
+          <a:prstGeom prst="rect">
+            <a:avLst/>
+          </a:prstGeom>
+        </p:spPr>
+        <p:txBody>
+          <a:bodyPr vert="horz" lIns="91440" tIns="45720" rIns="91440" bIns="45720" rtlCol="0"/>
+          <a:lstStyle>
+            <a:lvl1pPr algn="r">
+              <a:defRPr sz="1200"/>
+            </a:lvl1pPr>
+          </a:lstStyle>
+          <a:p>
+            <a:fld id="{B35F10FC-3156-4F8F-AD75-44891ED9E5F7}" type="datetimeFigureOut">
+              <a:rPr lang="LID4096" smtClean="0"/>
+              <a:t>09/10/2023</a:t>
+            </a:fld>
+            <a:endParaRPr lang="LID4096"/>
+          </a:p>
+        </p:txBody>
+      </p:sp>
+      <p:sp>
+        <p:nvSpPr>
+          <p:cNvPr id="4" name="Slide Image Placeholder 3"/>
+          <p:cNvSpPr>
+            <a:spLocks noGrp="1" noRot="1" noChangeAspect="1"/>
+          </p:cNvSpPr>
+          <p:nvPr>
+            <p:ph type="sldImg" idx="2"/>
+          </p:nvPr>
+        </p:nvSpPr>
+        <p:spPr>
+          <a:xfrm>
+            <a:off x="685800" y="1143000"/>
+            <a:ext cx="5486400" cy="3086100"/>
+          </a:xfrm>
+          <a:prstGeom prst="rect">
+            <a:avLst/>
+          </a:prstGeom>
+          <a:noFill/>
+          <a:ln w="12700">
+            <a:solidFill>
+              <a:prstClr val="black"/>
+            </a:solidFill>
+          </a:ln>
+        </p:spPr>
+        <p:txBody>
+          <a:bodyPr vert="horz" lIns="91440" tIns="45720" rIns="91440" bIns="45720" rtlCol="0" anchor="ctr"/>
+          <a:lstStyle/>
+          <a:p>
+            <a:endParaRPr lang="LID4096"/>
+          </a:p>
+        </p:txBody>
+      </p:sp>
+      <p:sp>
+        <p:nvSpPr>
+          <p:cNvPr id="5" name="Notes Placeholder 4"/>
+          <p:cNvSpPr>
+            <a:spLocks noGrp="1"/>
+          </p:cNvSpPr>
+          <p:nvPr>
+            <p:ph type="body" sz="quarter" idx="3"/>
+          </p:nvPr>
+        </p:nvSpPr>
+        <p:spPr>
+          <a:xfrm>
+            <a:off x="685800" y="4400550"/>
+            <a:ext cx="5486400" cy="3600450"/>
+          </a:xfrm>
+          <a:prstGeom prst="rect">
+            <a:avLst/>
+          </a:prstGeom>
+        </p:spPr>
+        <p:txBody>
+          <a:bodyPr vert="horz" lIns="91440" tIns="45720" rIns="91440" bIns="45720" rtlCol="0"/>
+          <a:lstStyle/>
+          <a:p>
+            <a:pPr lvl="0"/>
+            <a:r>
+              <a:rPr lang="en-US"/>
+              <a:t>Click to edit Master text styles</a:t>
+            </a:r>
+          </a:p>
+          <a:p>
+            <a:pPr lvl="1"/>
+            <a:r>
+              <a:rPr lang="en-US"/>
+              <a:t>Second level</a:t>
+            </a:r>
+          </a:p>
+          <a:p>
+            <a:pPr lvl="2"/>
+            <a:r>
+              <a:rPr lang="en-US"/>
+              <a:t>Third level</a:t>
+            </a:r>
+          </a:p>
+          <a:p>
+            <a:pPr lvl="3"/>
+            <a:r>
+              <a:rPr lang="en-US"/>
+              <a:t>Fourth level</a:t>
+            </a:r>
+          </a:p>
+          <a:p>
+            <a:pPr lvl="4"/>
+            <a:r>
+              <a:rPr lang="en-US"/>
+              <a:t>Fifth level</a:t>
+            </a:r>
+            <a:endParaRPr lang="LID4096"/>
+          </a:p>
+        </p:txBody>
+      </p:sp>
+      <p:sp>
+        <p:nvSpPr>
+          <p:cNvPr id="6" name="Footer Placeholder 5"/>
+          <p:cNvSpPr>
+            <a:spLocks noGrp="1"/>
+          </p:cNvSpPr>
+          <p:nvPr>
+            <p:ph type="ftr" sz="quarter" idx="4"/>
+          </p:nvPr>
+        </p:nvSpPr>
+        <p:spPr>
+          <a:xfrm>
+            <a:off x="0" y="8685213"/>
+            <a:ext cx="2971800" cy="458787"/>
+          </a:xfrm>
+          <a:prstGeom prst="rect">
+            <a:avLst/>
+          </a:prstGeom>
+        </p:spPr>
+        <p:txBody>
+          <a:bodyPr vert="horz" lIns="91440" tIns="45720" rIns="91440" bIns="45720" rtlCol="0" anchor="b"/>
+          <a:lstStyle>
+            <a:lvl1pPr algn="l">
+              <a:defRPr sz="1200"/>
+            </a:lvl1pPr>
+          </a:lstStyle>
+          <a:p>
+            <a:endParaRPr lang="LID4096"/>
+          </a:p>
+        </p:txBody>
+      </p:sp>
+      <p:sp>
+        <p:nvSpPr>
+          <p:cNvPr id="7" name="Slide Number Placeholder 6"/>
+          <p:cNvSpPr>
+            <a:spLocks noGrp="1"/>
+          </p:cNvSpPr>
+          <p:nvPr>
+            <p:ph type="sldNum" sz="quarter" idx="5"/>
+          </p:nvPr>
+        </p:nvSpPr>
+        <p:spPr>
+          <a:xfrm>
+            <a:off x="3884613" y="8685213"/>
+            <a:ext cx="2971800" cy="458787"/>
+          </a:xfrm>
+          <a:prstGeom prst="rect">
+            <a:avLst/>
+          </a:prstGeom>
+        </p:spPr>
+        <p:txBody>
+          <a:bodyPr vert="horz" lIns="91440" tIns="45720" rIns="91440" bIns="45720" rtlCol="0" anchor="b"/>
+          <a:lstStyle>
+            <a:lvl1pPr algn="r">
+              <a:defRPr sz="1200"/>
+            </a:lvl1pPr>
+          </a:lstStyle>
+          <a:p>
+            <a:fld id="{E0EF8C46-A29F-4065-8E50-1D8747DA38EA}" type="slidenum">
+              <a:rPr lang="LID4096" smtClean="0"/>
+              <a:t>‹#›</a:t>
+            </a:fld>
+            <a:endParaRPr lang="LID4096"/>
+          </a:p>
+        </p:txBody>
+      </p:sp>
+    </p:spTree>
+    <p:extLst>
+      <p:ext uri="{BB962C8B-B14F-4D97-AF65-F5344CB8AC3E}">
+        <p14:creationId xmlns:p14="http://schemas.microsoft.com/office/powerpoint/2010/main" val="4198200994"/>
+      </p:ext>
+    </p:extLst>
+  </p:cSld>
+  <p:clrMap bg1="lt1" tx1="dk1" bg2="lt2" tx2="dk2" accent1="accent1" accent2="accent2" accent3="accent3" accent4="accent4" accent5="accent5" accent6="accent6" hlink="hlink" folHlink="folHlink"/>
+  <p:notesStyle>
+    <a:lvl1pPr marL="0" algn="l" defTabSz="914400" rtl="0" eaLnBrk="1" latinLnBrk="0" hangingPunct="1">
+      <a:defRPr sz="1200" kern="1200">
+        <a:solidFill>
+          <a:schemeClr val="tx1"/>
+        </a:solidFill>
+        <a:latin typeface="+mn-lt"/>
+        <a:ea typeface="+mn-ea"/>
+        <a:cs typeface="+mn-cs"/>
+      </a:defRPr>
+    </a:lvl1pPr>
+    <a:lvl2pPr marL="457200" algn="l" defTabSz="914400" rtl="0" eaLnBrk="1" latinLnBrk="0" hangingPunct="1">
+      <a:defRPr sz="1200" kern="1200">
+        <a:solidFill>
+          <a:schemeClr val="tx1"/>
+        </a:solidFill>
+        <a:latin typeface="+mn-lt"/>
+        <a:ea typeface="+mn-ea"/>
+        <a:cs typeface="+mn-cs"/>
+      </a:defRPr>
+    </a:lvl2pPr>
+    <a:lvl3pPr marL="914400" algn="l" defTabSz="914400" rtl="0" eaLnBrk="1" latinLnBrk="0" hangingPunct="1">
+      <a:defRPr sz="1200" kern="1200">
+        <a:solidFill>
+          <a:schemeClr val="tx1"/>
+        </a:solidFill>
+        <a:latin typeface="+mn-lt"/>
+        <a:ea typeface="+mn-ea"/>
+        <a:cs typeface="+mn-cs"/>
+      </a:defRPr>
+    </a:lvl3pPr>
+    <a:lvl4pPr marL="1371600" algn="l" defTabSz="914400" rtl="0" eaLnBrk="1" latinLnBrk="0" hangingPunct="1">
+      <a:defRPr sz="1200" kern="1200">
+        <a:solidFill>
+          <a:schemeClr val="tx1"/>
+        </a:solidFill>
+        <a:latin typeface="+mn-lt"/>
+        <a:ea typeface="+mn-ea"/>
+        <a:cs typeface="+mn-cs"/>
+      </a:defRPr>
+    </a:lvl4pPr>
+    <a:lvl5pPr marL="1828800" algn="l" defTabSz="914400" rtl="0" eaLnBrk="1" latinLnBrk="0" hangingPunct="1">
+      <a:defRPr sz="1200" kern="1200">
+        <a:solidFill>
+          <a:schemeClr val="tx1"/>
+        </a:solidFill>
+        <a:latin typeface="+mn-lt"/>
+        <a:ea typeface="+mn-ea"/>
+        <a:cs typeface="+mn-cs"/>
+      </a:defRPr>
+    </a:lvl5pPr>
+    <a:lvl6pPr marL="2286000" algn="l" defTabSz="914400" rtl="0" eaLnBrk="1" latinLnBrk="0" hangingPunct="1">
+      <a:defRPr sz="1200" kern="1200">
+        <a:solidFill>
+          <a:schemeClr val="tx1"/>
+        </a:solidFill>
+        <a:latin typeface="+mn-lt"/>
+        <a:ea typeface="+mn-ea"/>
+        <a:cs typeface="+mn-cs"/>
+      </a:defRPr>
+    </a:lvl6pPr>
+    <a:lvl7pPr marL="2743200" algn="l" defTabSz="914400" rtl="0" eaLnBrk="1" latinLnBrk="0" hangingPunct="1">
+      <a:defRPr sz="1200" kern="1200">
+        <a:solidFill>
+          <a:schemeClr val="tx1"/>
+        </a:solidFill>
+        <a:latin typeface="+mn-lt"/>
+        <a:ea typeface="+mn-ea"/>
+        <a:cs typeface="+mn-cs"/>
+      </a:defRPr>
+    </a:lvl7pPr>
+    <a:lvl8pPr marL="3200400" algn="l" defTabSz="914400" rtl="0" eaLnBrk="1" latinLnBrk="0" hangingPunct="1">
+      <a:defRPr sz="1200" kern="1200">
+        <a:solidFill>
+          <a:schemeClr val="tx1"/>
+        </a:solidFill>
+        <a:latin typeface="+mn-lt"/>
+        <a:ea typeface="+mn-ea"/>
+        <a:cs typeface="+mn-cs"/>
+      </a:defRPr>
+    </a:lvl8pPr>
+    <a:lvl9pPr marL="3657600" algn="l" defTabSz="914400" rtl="0" eaLnBrk="1" latinLnBrk="0" hangingPunct="1">
+      <a:defRPr sz="1200" kern="1200">
+        <a:solidFill>
+          <a:schemeClr val="tx1"/>
+        </a:solidFill>
+        <a:latin typeface="+mn-lt"/>
+        <a:ea typeface="+mn-ea"/>
+        <a:cs typeface="+mn-cs"/>
+      </a:defRPr>
+    </a:lvl9pPr>
+  </p:notesStyle>
+</p:notesMaster>
 </file>
 
 <file path=ppt/slideLayouts/slideLayout1.xml><?xml version="1.0" encoding="utf-8"?>
@@ -208,10 +546,9 @@
           <a:lstStyle/>
           <a:p>
             <a:r>
-              <a:rPr lang="en-US" smtClean="0"/>
+              <a:rPr lang="en-US"/>
               <a:t>Click to edit Master title style</a:t>
             </a:r>
-            <a:endParaRPr lang="en-US"/>
           </a:p>
         </p:txBody>
       </p:sp>
@@ -327,10 +664,9 @@
           </a:lstStyle>
           <a:p>
             <a:r>
-              <a:rPr lang="en-US" smtClean="0"/>
+              <a:rPr lang="en-US"/>
               <a:t>Click to edit Master subtitle style</a:t>
             </a:r>
-            <a:endParaRPr lang="en-US"/>
           </a:p>
         </p:txBody>
       </p:sp>
@@ -352,7 +688,7 @@
             <a:fld id="{1D8BD707-D9CF-40AE-B4C6-C98DA3205C09}" type="datetimeFigureOut">
               <a:rPr lang="en-US" smtClean="0"/>
               <a:pPr/>
-              <a:t>8/1/2011</a:t>
+              <a:t>9/10/2023</a:t>
             </a:fld>
             <a:endParaRPr lang="en-US"/>
           </a:p>
@@ -442,10 +778,9 @@
           <a:lstStyle/>
           <a:p>
             <a:r>
-              <a:rPr lang="en-US" smtClean="0"/>
+              <a:rPr lang="en-US"/>
               <a:t>Click to edit Master title style</a:t>
             </a:r>
-            <a:endParaRPr lang="en-US"/>
           </a:p>
         </p:txBody>
       </p:sp>
@@ -466,38 +801,37 @@
           <a:p>
             <a:pPr lvl="0"/>
             <a:r>
-              <a:rPr lang="en-US" smtClean="0"/>
+              <a:rPr lang="en-US"/>
               <a:t>Click to edit Master text styles</a:t>
             </a:r>
           </a:p>
           <a:p>
             <a:pPr lvl="1"/>
             <a:r>
-              <a:rPr lang="en-US" smtClean="0"/>
+              <a:rPr lang="en-US"/>
               <a:t>Second level</a:t>
             </a:r>
           </a:p>
           <a:p>
             <a:pPr lvl="2"/>
             <a:r>
-              <a:rPr lang="en-US" smtClean="0"/>
+              <a:rPr lang="en-US"/>
               <a:t>Third level</a:t>
             </a:r>
           </a:p>
           <a:p>
             <a:pPr lvl="3"/>
             <a:r>
-              <a:rPr lang="en-US" smtClean="0"/>
+              <a:rPr lang="en-US"/>
               <a:t>Fourth level</a:t>
             </a:r>
           </a:p>
           <a:p>
             <a:pPr lvl="4"/>
             <a:r>
-              <a:rPr lang="en-US" smtClean="0"/>
+              <a:rPr lang="en-US"/>
               <a:t>Fifth level</a:t>
             </a:r>
-            <a:endParaRPr lang="en-US"/>
           </a:p>
         </p:txBody>
       </p:sp>
@@ -519,7 +853,7 @@
             <a:fld id="{1D8BD707-D9CF-40AE-B4C6-C98DA3205C09}" type="datetimeFigureOut">
               <a:rPr lang="en-US" smtClean="0"/>
               <a:pPr/>
-              <a:t>8/1/2011</a:t>
+              <a:t>9/10/2023</a:t>
             </a:fld>
             <a:endParaRPr lang="en-US"/>
           </a:p>
@@ -614,10 +948,9 @@
           <a:lstStyle/>
           <a:p>
             <a:r>
-              <a:rPr lang="en-US" smtClean="0"/>
+              <a:rPr lang="en-US"/>
               <a:t>Click to edit Master title style</a:t>
             </a:r>
-            <a:endParaRPr lang="en-US"/>
           </a:p>
         </p:txBody>
       </p:sp>
@@ -643,38 +976,37 @@
           <a:p>
             <a:pPr lvl="0"/>
             <a:r>
-              <a:rPr lang="en-US" smtClean="0"/>
+              <a:rPr lang="en-US"/>
               <a:t>Click to edit Master text styles</a:t>
             </a:r>
           </a:p>
           <a:p>
             <a:pPr lvl="1"/>
             <a:r>
-              <a:rPr lang="en-US" smtClean="0"/>
+              <a:rPr lang="en-US"/>
               <a:t>Second level</a:t>
             </a:r>
           </a:p>
           <a:p>
             <a:pPr lvl="2"/>
             <a:r>
-              <a:rPr lang="en-US" smtClean="0"/>
+              <a:rPr lang="en-US"/>
               <a:t>Third level</a:t>
             </a:r>
           </a:p>
           <a:p>
             <a:pPr lvl="3"/>
             <a:r>
-              <a:rPr lang="en-US" smtClean="0"/>
+              <a:rPr lang="en-US"/>
               <a:t>Fourth level</a:t>
             </a:r>
           </a:p>
           <a:p>
             <a:pPr lvl="4"/>
             <a:r>
-              <a:rPr lang="en-US" smtClean="0"/>
+              <a:rPr lang="en-US"/>
               <a:t>Fifth level</a:t>
             </a:r>
-            <a:endParaRPr lang="en-US"/>
           </a:p>
         </p:txBody>
       </p:sp>
@@ -696,7 +1028,7 @@
             <a:fld id="{1D8BD707-D9CF-40AE-B4C6-C98DA3205C09}" type="datetimeFigureOut">
               <a:rPr lang="en-US" smtClean="0"/>
               <a:pPr/>
-              <a:t>8/1/2011</a:t>
+              <a:t>9/10/2023</a:t>
             </a:fld>
             <a:endParaRPr lang="en-US"/>
           </a:p>
@@ -786,10 +1118,9 @@
           <a:lstStyle/>
           <a:p>
             <a:r>
-              <a:rPr lang="en-US" smtClean="0"/>
+              <a:rPr lang="en-US"/>
               <a:t>Click to edit Master title style</a:t>
             </a:r>
-            <a:endParaRPr lang="en-US"/>
           </a:p>
         </p:txBody>
       </p:sp>
@@ -810,38 +1141,37 @@
           <a:p>
             <a:pPr lvl="0"/>
             <a:r>
-              <a:rPr lang="en-US" smtClean="0"/>
+              <a:rPr lang="en-US"/>
               <a:t>Click to edit Master text styles</a:t>
             </a:r>
           </a:p>
           <a:p>
             <a:pPr lvl="1"/>
             <a:r>
-              <a:rPr lang="en-US" smtClean="0"/>
+              <a:rPr lang="en-US"/>
               <a:t>Second level</a:t>
             </a:r>
           </a:p>
           <a:p>
             <a:pPr lvl="2"/>
             <a:r>
-              <a:rPr lang="en-US" smtClean="0"/>
+              <a:rPr lang="en-US"/>
               <a:t>Third level</a:t>
             </a:r>
           </a:p>
           <a:p>
             <a:pPr lvl="3"/>
             <a:r>
-              <a:rPr lang="en-US" smtClean="0"/>
+              <a:rPr lang="en-US"/>
               <a:t>Fourth level</a:t>
             </a:r>
           </a:p>
           <a:p>
             <a:pPr lvl="4"/>
             <a:r>
-              <a:rPr lang="en-US" smtClean="0"/>
+              <a:rPr lang="en-US"/>
               <a:t>Fifth level</a:t>
             </a:r>
-            <a:endParaRPr lang="en-US"/>
           </a:p>
         </p:txBody>
       </p:sp>
@@ -863,7 +1193,7 @@
             <a:fld id="{1D8BD707-D9CF-40AE-B4C6-C98DA3205C09}" type="datetimeFigureOut">
               <a:rPr lang="en-US" smtClean="0"/>
               <a:pPr/>
-              <a:t>8/1/2011</a:t>
+              <a:t>9/10/2023</a:t>
             </a:fld>
             <a:endParaRPr lang="en-US"/>
           </a:p>
@@ -962,10 +1292,9 @@
           </a:lstStyle>
           <a:p>
             <a:r>
-              <a:rPr lang="en-US" smtClean="0"/>
+              <a:rPr lang="en-US"/>
               <a:t>Click to edit Master title style</a:t>
             </a:r>
-            <a:endParaRPr lang="en-US"/>
           </a:p>
         </p:txBody>
       </p:sp>
@@ -1082,7 +1411,7 @@
           <a:p>
             <a:pPr lvl="0"/>
             <a:r>
-              <a:rPr lang="en-US" smtClean="0"/>
+              <a:rPr lang="en-US"/>
               <a:t>Click to edit Master text styles</a:t>
             </a:r>
           </a:p>
@@ -1106,7 +1435,7 @@
             <a:fld id="{1D8BD707-D9CF-40AE-B4C6-C98DA3205C09}" type="datetimeFigureOut">
               <a:rPr lang="en-US" smtClean="0"/>
               <a:pPr/>
-              <a:t>8/1/2011</a:t>
+              <a:t>9/10/2023</a:t>
             </a:fld>
             <a:endParaRPr lang="en-US"/>
           </a:p>
@@ -1196,10 +1525,9 @@
           <a:lstStyle/>
           <a:p>
             <a:r>
-              <a:rPr lang="en-US" smtClean="0"/>
+              <a:rPr lang="en-US"/>
               <a:t>Click to edit Master title style</a:t>
             </a:r>
-            <a:endParaRPr lang="en-US"/>
           </a:p>
         </p:txBody>
       </p:sp>
@@ -1253,38 +1581,37 @@
           <a:p>
             <a:pPr lvl="0"/>
             <a:r>
-              <a:rPr lang="en-US" smtClean="0"/>
+              <a:rPr lang="en-US"/>
               <a:t>Click to edit Master text styles</a:t>
             </a:r>
           </a:p>
           <a:p>
             <a:pPr lvl="1"/>
             <a:r>
-              <a:rPr lang="en-US" smtClean="0"/>
+              <a:rPr lang="en-US"/>
               <a:t>Second level</a:t>
             </a:r>
           </a:p>
           <a:p>
             <a:pPr lvl="2"/>
             <a:r>
-              <a:rPr lang="en-US" smtClean="0"/>
+              <a:rPr lang="en-US"/>
               <a:t>Third level</a:t>
             </a:r>
           </a:p>
           <a:p>
             <a:pPr lvl="3"/>
             <a:r>
-              <a:rPr lang="en-US" smtClean="0"/>
+              <a:rPr lang="en-US"/>
               <a:t>Fourth level</a:t>
             </a:r>
           </a:p>
           <a:p>
             <a:pPr lvl="4"/>
             <a:r>
-              <a:rPr lang="en-US" smtClean="0"/>
+              <a:rPr lang="en-US"/>
               <a:t>Fifth level</a:t>
             </a:r>
-            <a:endParaRPr lang="en-US"/>
           </a:p>
         </p:txBody>
       </p:sp>
@@ -1338,38 +1665,37 @@
           <a:p>
             <a:pPr lvl="0"/>
             <a:r>
-              <a:rPr lang="en-US" smtClean="0"/>
+              <a:rPr lang="en-US"/>
               <a:t>Click to edit Master text styles</a:t>
             </a:r>
           </a:p>
           <a:p>
             <a:pPr lvl="1"/>
             <a:r>
-              <a:rPr lang="en-US" smtClean="0"/>
+              <a:rPr lang="en-US"/>
               <a:t>Second level</a:t>
             </a:r>
           </a:p>
           <a:p>
             <a:pPr lvl="2"/>
             <a:r>
-              <a:rPr lang="en-US" smtClean="0"/>
+              <a:rPr lang="en-US"/>
               <a:t>Third level</a:t>
             </a:r>
           </a:p>
           <a:p>
             <a:pPr lvl="3"/>
             <a:r>
-              <a:rPr lang="en-US" smtClean="0"/>
+              <a:rPr lang="en-US"/>
               <a:t>Fourth level</a:t>
             </a:r>
           </a:p>
           <a:p>
             <a:pPr lvl="4"/>
             <a:r>
-              <a:rPr lang="en-US" smtClean="0"/>
+              <a:rPr lang="en-US"/>
               <a:t>Fifth level</a:t>
             </a:r>
-            <a:endParaRPr lang="en-US"/>
           </a:p>
         </p:txBody>
       </p:sp>
@@ -1391,7 +1717,7 @@
             <a:fld id="{1D8BD707-D9CF-40AE-B4C6-C98DA3205C09}" type="datetimeFigureOut">
               <a:rPr lang="en-US" smtClean="0"/>
               <a:pPr/>
-              <a:t>8/1/2011</a:t>
+              <a:t>9/10/2023</a:t>
             </a:fld>
             <a:endParaRPr lang="en-US"/>
           </a:p>
@@ -1485,10 +1811,9 @@
           </a:lstStyle>
           <a:p>
             <a:r>
-              <a:rPr lang="en-US" smtClean="0"/>
+              <a:rPr lang="en-US"/>
               <a:t>Click to edit Master title style</a:t>
             </a:r>
-            <a:endParaRPr lang="en-US"/>
           </a:p>
         </p:txBody>
       </p:sp>
@@ -1551,7 +1876,7 @@
           <a:p>
             <a:pPr lvl="0"/>
             <a:r>
-              <a:rPr lang="en-US" smtClean="0"/>
+              <a:rPr lang="en-US"/>
               <a:t>Click to edit Master text styles</a:t>
             </a:r>
           </a:p>
@@ -1607,38 +1932,37 @@
           <a:p>
             <a:pPr lvl="0"/>
             <a:r>
-              <a:rPr lang="en-US" smtClean="0"/>
+              <a:rPr lang="en-US"/>
               <a:t>Click to edit Master text styles</a:t>
             </a:r>
           </a:p>
           <a:p>
             <a:pPr lvl="1"/>
             <a:r>
-              <a:rPr lang="en-US" smtClean="0"/>
+              <a:rPr lang="en-US"/>
               <a:t>Second level</a:t>
             </a:r>
           </a:p>
           <a:p>
             <a:pPr lvl="2"/>
             <a:r>
-              <a:rPr lang="en-US" smtClean="0"/>
+              <a:rPr lang="en-US"/>
               <a:t>Third level</a:t>
             </a:r>
           </a:p>
           <a:p>
             <a:pPr lvl="3"/>
             <a:r>
-              <a:rPr lang="en-US" smtClean="0"/>
+              <a:rPr lang="en-US"/>
               <a:t>Fourth level</a:t>
             </a:r>
           </a:p>
           <a:p>
             <a:pPr lvl="4"/>
             <a:r>
-              <a:rPr lang="en-US" smtClean="0"/>
+              <a:rPr lang="en-US"/>
               <a:t>Fifth level</a:t>
             </a:r>
-            <a:endParaRPr lang="en-US"/>
           </a:p>
         </p:txBody>
       </p:sp>
@@ -1701,7 +2025,7 @@
           <a:p>
             <a:pPr lvl="0"/>
             <a:r>
-              <a:rPr lang="en-US" smtClean="0"/>
+              <a:rPr lang="en-US"/>
               <a:t>Click to edit Master text styles</a:t>
             </a:r>
           </a:p>
@@ -1757,38 +2081,37 @@
           <a:p>
             <a:pPr lvl="0"/>
             <a:r>
-              <a:rPr lang="en-US" smtClean="0"/>
+              <a:rPr lang="en-US"/>
               <a:t>Click to edit Master text styles</a:t>
             </a:r>
           </a:p>
           <a:p>
             <a:pPr lvl="1"/>
             <a:r>
-              <a:rPr lang="en-US" smtClean="0"/>
+              <a:rPr lang="en-US"/>
               <a:t>Second level</a:t>
             </a:r>
           </a:p>
           <a:p>
             <a:pPr lvl="2"/>
             <a:r>
-              <a:rPr lang="en-US" smtClean="0"/>
+              <a:rPr lang="en-US"/>
               <a:t>Third level</a:t>
             </a:r>
           </a:p>
           <a:p>
             <a:pPr lvl="3"/>
             <a:r>
-              <a:rPr lang="en-US" smtClean="0"/>
+              <a:rPr lang="en-US"/>
               <a:t>Fourth level</a:t>
             </a:r>
           </a:p>
           <a:p>
             <a:pPr lvl="4"/>
             <a:r>
-              <a:rPr lang="en-US" smtClean="0"/>
+              <a:rPr lang="en-US"/>
               <a:t>Fifth level</a:t>
             </a:r>
-            <a:endParaRPr lang="en-US"/>
           </a:p>
         </p:txBody>
       </p:sp>
@@ -1810,7 +2133,7 @@
             <a:fld id="{1D8BD707-D9CF-40AE-B4C6-C98DA3205C09}" type="datetimeFigureOut">
               <a:rPr lang="en-US" smtClean="0"/>
               <a:pPr/>
-              <a:t>8/1/2011</a:t>
+              <a:t>9/10/2023</a:t>
             </a:fld>
             <a:endParaRPr lang="en-US"/>
           </a:p>
@@ -1900,10 +2223,9 @@
           <a:lstStyle/>
           <a:p>
             <a:r>
-              <a:rPr lang="en-US" smtClean="0"/>
+              <a:rPr lang="en-US"/>
               <a:t>Click to edit Master title style</a:t>
             </a:r>
-            <a:endParaRPr lang="en-US"/>
           </a:p>
         </p:txBody>
       </p:sp>
@@ -1925,7 +2247,7 @@
             <a:fld id="{1D8BD707-D9CF-40AE-B4C6-C98DA3205C09}" type="datetimeFigureOut">
               <a:rPr lang="en-US" smtClean="0"/>
               <a:pPr/>
-              <a:t>8/1/2011</a:t>
+              <a:t>9/10/2023</a:t>
             </a:fld>
             <a:endParaRPr lang="en-US"/>
           </a:p>
@@ -2017,7 +2339,7 @@
             <a:fld id="{1D8BD707-D9CF-40AE-B4C6-C98DA3205C09}" type="datetimeFigureOut">
               <a:rPr lang="en-US" smtClean="0"/>
               <a:pPr/>
-              <a:t>8/1/2011</a:t>
+              <a:t>9/10/2023</a:t>
             </a:fld>
             <a:endParaRPr lang="en-US"/>
           </a:p>
@@ -2116,10 +2438,9 @@
           </a:lstStyle>
           <a:p>
             <a:r>
-              <a:rPr lang="en-US" smtClean="0"/>
+              <a:rPr lang="en-US"/>
               <a:t>Click to edit Master title style</a:t>
             </a:r>
-            <a:endParaRPr lang="en-US"/>
           </a:p>
         </p:txBody>
       </p:sp>
@@ -2173,38 +2494,37 @@
           <a:p>
             <a:pPr lvl="0"/>
             <a:r>
-              <a:rPr lang="en-US" smtClean="0"/>
+              <a:rPr lang="en-US"/>
               <a:t>Click to edit Master text styles</a:t>
             </a:r>
           </a:p>
           <a:p>
             <a:pPr lvl="1"/>
             <a:r>
-              <a:rPr lang="en-US" smtClean="0"/>
+              <a:rPr lang="en-US"/>
               <a:t>Second level</a:t>
             </a:r>
           </a:p>
           <a:p>
             <a:pPr lvl="2"/>
             <a:r>
-              <a:rPr lang="en-US" smtClean="0"/>
+              <a:rPr lang="en-US"/>
               <a:t>Third level</a:t>
             </a:r>
           </a:p>
           <a:p>
             <a:pPr lvl="3"/>
             <a:r>
-              <a:rPr lang="en-US" smtClean="0"/>
+              <a:rPr lang="en-US"/>
               <a:t>Fourth level</a:t>
             </a:r>
           </a:p>
           <a:p>
             <a:pPr lvl="4"/>
             <a:r>
-              <a:rPr lang="en-US" smtClean="0"/>
+              <a:rPr lang="en-US"/>
               <a:t>Fifth level</a:t>
             </a:r>
-            <a:endParaRPr lang="en-US"/>
           </a:p>
         </p:txBody>
       </p:sp>
@@ -2267,7 +2587,7 @@
           <a:p>
             <a:pPr lvl="0"/>
             <a:r>
-              <a:rPr lang="en-US" smtClean="0"/>
+              <a:rPr lang="en-US"/>
               <a:t>Click to edit Master text styles</a:t>
             </a:r>
           </a:p>
@@ -2291,7 +2611,7 @@
             <a:fld id="{1D8BD707-D9CF-40AE-B4C6-C98DA3205C09}" type="datetimeFigureOut">
               <a:rPr lang="en-US" smtClean="0"/>
               <a:pPr/>
-              <a:t>8/1/2011</a:t>
+              <a:t>9/10/2023</a:t>
             </a:fld>
             <a:endParaRPr lang="en-US"/>
           </a:p>
@@ -2390,10 +2710,9 @@
           </a:lstStyle>
           <a:p>
             <a:r>
-              <a:rPr lang="en-US" smtClean="0"/>
+              <a:rPr lang="en-US"/>
               <a:t>Click to edit Master title style</a:t>
             </a:r>
-            <a:endParaRPr lang="en-US"/>
           </a:p>
         </p:txBody>
       </p:sp>
@@ -2517,7 +2836,7 @@
           <a:p>
             <a:pPr lvl="0"/>
             <a:r>
-              <a:rPr lang="en-US" smtClean="0"/>
+              <a:rPr lang="en-US"/>
               <a:t>Click to edit Master text styles</a:t>
             </a:r>
           </a:p>
@@ -2541,7 +2860,7 @@
             <a:fld id="{1D8BD707-D9CF-40AE-B4C6-C98DA3205C09}" type="datetimeFigureOut">
               <a:rPr lang="en-US" smtClean="0"/>
               <a:pPr/>
-              <a:t>8/1/2011</a:t>
+              <a:t>9/10/2023</a:t>
             </a:fld>
             <a:endParaRPr lang="en-US"/>
           </a:p>
@@ -2646,10 +2965,9 @@
           <a:lstStyle/>
           <a:p>
             <a:r>
-              <a:rPr lang="en-US" smtClean="0"/>
+              <a:rPr lang="en-US"/>
               <a:t>Click to edit Master title style</a:t>
             </a:r>
-            <a:endParaRPr lang="en-US"/>
           </a:p>
         </p:txBody>
       </p:sp>
@@ -2680,38 +2998,37 @@
           <a:p>
             <a:pPr lvl="0"/>
             <a:r>
-              <a:rPr lang="en-US" smtClean="0"/>
+              <a:rPr lang="en-US"/>
               <a:t>Click to edit Master text styles</a:t>
             </a:r>
           </a:p>
           <a:p>
             <a:pPr lvl="1"/>
             <a:r>
-              <a:rPr lang="en-US" smtClean="0"/>
+              <a:rPr lang="en-US"/>
               <a:t>Second level</a:t>
             </a:r>
           </a:p>
           <a:p>
             <a:pPr lvl="2"/>
             <a:r>
-              <a:rPr lang="en-US" smtClean="0"/>
+              <a:rPr lang="en-US"/>
               <a:t>Third level</a:t>
             </a:r>
           </a:p>
           <a:p>
             <a:pPr lvl="3"/>
             <a:r>
-              <a:rPr lang="en-US" smtClean="0"/>
+              <a:rPr lang="en-US"/>
               <a:t>Fourth level</a:t>
             </a:r>
           </a:p>
           <a:p>
             <a:pPr lvl="4"/>
             <a:r>
-              <a:rPr lang="en-US" smtClean="0"/>
+              <a:rPr lang="en-US"/>
               <a:t>Fifth level</a:t>
             </a:r>
-            <a:endParaRPr lang="en-US"/>
           </a:p>
         </p:txBody>
       </p:sp>
@@ -2751,7 +3068,7 @@
             <a:fld id="{1D8BD707-D9CF-40AE-B4C6-C98DA3205C09}" type="datetimeFigureOut">
               <a:rPr lang="en-US" smtClean="0"/>
               <a:pPr/>
-              <a:t>8/1/2011</a:t>
+              <a:t>9/10/2023</a:t>
             </a:fld>
             <a:endParaRPr lang="en-US"/>
           </a:p>
@@ -3106,13 +3423,14 @@
 </file>
 
 <file path=ppt/slides/slide1.xml><?xml version="1.0" encoding="utf-8"?>
-<p:sld xmlns:p="http://schemas.openxmlformats.org/presentationml/2006/main" xmlns:a="http://schemas.openxmlformats.org/drawingml/2006/main" xmlns:r="http://schemas.openxmlformats.org/officeDocument/2006/relationships">
+<p:sld xmlns:a="http://schemas.openxmlformats.org/drawingml/2006/main" xmlns:r="http://schemas.openxmlformats.org/officeDocument/2006/relationships" xmlns:p="http://schemas.openxmlformats.org/presentationml/2006/main">
   <p:cSld>
     <p:bg>
       <p:bgPr>
         <a:solidFill>
           <a:srgbClr val="F2F2F0"/>
         </a:solidFill>
+        <a:effectLst/>
       </p:bgPr>
     </p:bg>
     <p:spTree>
@@ -3131,12 +3449,12 @@
       </p:grpSpPr>
       <p:sp>
         <p:nvSpPr>
-          <p:cNvPr name="Freeform 2" id="2"/>
+          <p:cNvPr id="2" name="Freeform 2"/>
           <p:cNvSpPr/>
           <p:nvPr/>
         </p:nvSpPr>
         <p:spPr>
-          <a:xfrm flipH="false" flipV="false" rot="0">
+          <a:xfrm>
             <a:off x="9144000" y="1028700"/>
             <a:ext cx="15882546" cy="7544209"/>
           </a:xfrm>
@@ -3145,9 +3463,9 @@
             <a:gdLst/>
             <a:ahLst/>
             <a:cxnLst/>
-            <a:rect r="r" b="b" t="t" l="l"/>
+            <a:rect l="l" t="t" r="r" b="b"/>
             <a:pathLst>
-              <a:path h="7544209" w="15882546">
+              <a:path w="15882546" h="7544209">
                 <a:moveTo>
                   <a:pt x="0" y="0"/>
                 </a:moveTo>
@@ -3170,19 +3488,26 @@
           <a:blipFill>
             <a:blip r:embed="rId2"/>
             <a:stretch>
-              <a:fillRect l="0" t="0" r="0" b="0"/>
+              <a:fillRect/>
             </a:stretch>
           </a:blipFill>
         </p:spPr>
-      </p:sp>
-      <p:sp>
-        <p:nvSpPr>
-          <p:cNvPr name="Freeform 3" id="3"/>
+        <p:txBody>
+          <a:bodyPr/>
+          <a:lstStyle/>
+          <a:p>
+            <a:endParaRPr lang="LID4096"/>
+          </a:p>
+        </p:txBody>
+      </p:sp>
+      <p:sp>
+        <p:nvSpPr>
+          <p:cNvPr id="3" name="Freeform 3"/>
           <p:cNvSpPr/>
           <p:nvPr/>
         </p:nvSpPr>
         <p:spPr>
-          <a:xfrm flipH="false" flipV="false" rot="0">
+          <a:xfrm>
             <a:off x="13656754" y="2534877"/>
             <a:ext cx="5301842" cy="4075653"/>
           </a:xfrm>
@@ -3191,9 +3516,9 @@
             <a:gdLst/>
             <a:ahLst/>
             <a:cxnLst/>
-            <a:rect r="r" b="b" t="t" l="l"/>
+            <a:rect l="l" t="t" r="r" b="b"/>
             <a:pathLst>
-              <a:path h="4075653" w="5301842">
+              <a:path w="5301842" h="4075653">
                 <a:moveTo>
                   <a:pt x="0" y="0"/>
                 </a:moveTo>
@@ -3216,19 +3541,26 @@
           <a:blipFill>
             <a:blip r:embed="rId3"/>
             <a:stretch>
-              <a:fillRect l="-1272" t="0" r="-1272" b="-12161"/>
+              <a:fillRect l="-1272" r="-1272" b="-12161"/>
             </a:stretch>
           </a:blipFill>
         </p:spPr>
+        <p:txBody>
+          <a:bodyPr/>
+          <a:lstStyle/>
+          <a:p>
+            <a:endParaRPr lang="LID4096"/>
+          </a:p>
+        </p:txBody>
       </p:sp>
       <p:grpSp>
         <p:nvGrpSpPr>
-          <p:cNvPr name="Group 4" id="4"/>
+          <p:cNvPr id="4" name="Group 4"/>
           <p:cNvGrpSpPr/>
           <p:nvPr/>
         </p:nvGrpSpPr>
         <p:grpSpPr>
-          <a:xfrm rot="0">
+          <a:xfrm>
             <a:off x="1028700" y="1028700"/>
             <a:ext cx="1572441" cy="547539"/>
             <a:chOff x="0" y="0"/>
@@ -3237,12 +3569,12 @@
         </p:grpSpPr>
         <p:sp>
           <p:nvSpPr>
-            <p:cNvPr name="TextBox 5" id="5"/>
-            <p:cNvSpPr txBox="true"/>
+            <p:cNvPr id="5" name="TextBox 5"/>
+            <p:cNvSpPr txBox="1"/>
             <p:nvPr/>
           </p:nvSpPr>
           <p:spPr>
-            <a:xfrm rot="0">
+            <a:xfrm>
               <a:off x="0" y="-38100"/>
               <a:ext cx="2096588" cy="352212"/>
             </a:xfrm>
@@ -3251,7 +3583,7 @@
             </a:prstGeom>
           </p:spPr>
           <p:txBody>
-            <a:bodyPr anchor="t" rtlCol="false" tIns="0" lIns="0" bIns="0" rIns="0">
+            <a:bodyPr lIns="0" tIns="0" rIns="0" bIns="0" rtlCol="0" anchor="t">
               <a:spAutoFit/>
             </a:bodyPr>
             <a:lstStyle/>
@@ -3275,12 +3607,12 @@
         </p:sp>
         <p:sp>
           <p:nvSpPr>
-            <p:cNvPr name="TextBox 6" id="6"/>
-            <p:cNvSpPr txBox="true"/>
+            <p:cNvPr id="6" name="TextBox 6"/>
+            <p:cNvSpPr txBox="1"/>
             <p:nvPr/>
           </p:nvSpPr>
           <p:spPr>
-            <a:xfrm rot="0">
+            <a:xfrm>
               <a:off x="0" y="377840"/>
               <a:ext cx="2096588" cy="352212"/>
             </a:xfrm>
@@ -3289,7 +3621,7 @@
             </a:prstGeom>
           </p:spPr>
           <p:txBody>
-            <a:bodyPr anchor="t" rtlCol="false" tIns="0" lIns="0" bIns="0" rIns="0">
+            <a:bodyPr lIns="0" tIns="0" rIns="0" bIns="0" rtlCol="0" anchor="t">
               <a:spAutoFit/>
             </a:bodyPr>
             <a:lstStyle/>
@@ -3314,12 +3646,12 @@
       </p:grpSp>
       <p:grpSp>
         <p:nvGrpSpPr>
-          <p:cNvPr name="Group 7" id="7"/>
+          <p:cNvPr id="7" name="Group 7"/>
           <p:cNvGrpSpPr/>
           <p:nvPr/>
         </p:nvGrpSpPr>
         <p:grpSpPr>
-          <a:xfrm rot="0">
+          <a:xfrm>
             <a:off x="1028700" y="8294836"/>
             <a:ext cx="8115300" cy="963464"/>
             <a:chOff x="0" y="0"/>
@@ -3328,12 +3660,12 @@
         </p:grpSpPr>
         <p:sp>
           <p:nvSpPr>
-            <p:cNvPr name="TextBox 8" id="8"/>
-            <p:cNvSpPr txBox="true"/>
+            <p:cNvPr id="8" name="TextBox 8"/>
+            <p:cNvSpPr txBox="1"/>
             <p:nvPr/>
           </p:nvSpPr>
           <p:spPr>
-            <a:xfrm rot="0">
+            <a:xfrm>
               <a:off x="0" y="-38100"/>
               <a:ext cx="10820400" cy="396239"/>
             </a:xfrm>
@@ -3342,7 +3674,7 @@
             </a:prstGeom>
           </p:spPr>
           <p:txBody>
-            <a:bodyPr anchor="t" rtlCol="false" tIns="0" lIns="0" bIns="0" rIns="0">
+            <a:bodyPr lIns="0" tIns="0" rIns="0" bIns="0" rtlCol="0" anchor="t">
               <a:spAutoFit/>
             </a:bodyPr>
             <a:lstStyle/>
@@ -3366,12 +3698,12 @@
         </p:sp>
         <p:sp>
           <p:nvSpPr>
-            <p:cNvPr name="TextBox 9" id="9"/>
-            <p:cNvSpPr txBox="true"/>
+            <p:cNvPr id="9" name="TextBox 9"/>
+            <p:cNvSpPr txBox="1"/>
             <p:nvPr/>
           </p:nvSpPr>
           <p:spPr>
-            <a:xfrm rot="0">
+            <a:xfrm>
               <a:off x="0" y="421866"/>
               <a:ext cx="10820400" cy="862752"/>
             </a:xfrm>
@@ -3380,7 +3712,7 @@
             </a:prstGeom>
           </p:spPr>
           <p:txBody>
-            <a:bodyPr anchor="t" rtlCol="false" tIns="0" lIns="0" bIns="0" rIns="0">
+            <a:bodyPr lIns="0" tIns="0" rIns="0" bIns="0" rtlCol="0" anchor="t">
               <a:spAutoFit/>
             </a:bodyPr>
             <a:lstStyle/>
@@ -3421,12 +3753,12 @@
       </p:grpSp>
       <p:grpSp>
         <p:nvGrpSpPr>
-          <p:cNvPr name="Group 10" id="10"/>
+          <p:cNvPr id="10" name="Group 10"/>
           <p:cNvGrpSpPr/>
           <p:nvPr/>
         </p:nvGrpSpPr>
         <p:grpSpPr>
-          <a:xfrm rot="0">
+          <a:xfrm>
             <a:off x="1028700" y="2860041"/>
             <a:ext cx="7412410" cy="4566918"/>
             <a:chOff x="0" y="0"/>
@@ -3435,12 +3767,12 @@
         </p:grpSpPr>
         <p:sp>
           <p:nvSpPr>
-            <p:cNvPr name="TextBox 11" id="11"/>
-            <p:cNvSpPr txBox="true"/>
+            <p:cNvPr id="11" name="TextBox 11"/>
+            <p:cNvSpPr txBox="1"/>
             <p:nvPr/>
           </p:nvSpPr>
           <p:spPr>
-            <a:xfrm rot="0">
+            <a:xfrm>
               <a:off x="0" y="4970990"/>
               <a:ext cx="9883213" cy="1118234"/>
             </a:xfrm>
@@ -3449,7 +3781,7 @@
             </a:prstGeom>
           </p:spPr>
           <p:txBody>
-            <a:bodyPr anchor="t" rtlCol="false" tIns="0" lIns="0" bIns="0" rIns="0">
+            <a:bodyPr lIns="0" tIns="0" rIns="0" bIns="0" rtlCol="0" anchor="t">
               <a:spAutoFit/>
             </a:bodyPr>
             <a:lstStyle/>
@@ -3475,17 +3807,23 @@
                   <a:spcPts val="3450"/>
                 </a:lnSpc>
               </a:pPr>
+              <a:endParaRPr lang="en-US" sz="2300">
+                <a:solidFill>
+                  <a:srgbClr val="FF66C4"/>
+                </a:solidFill>
+                <a:latin typeface="DM Sans"/>
+              </a:endParaRPr>
             </a:p>
           </p:txBody>
         </p:sp>
         <p:sp>
           <p:nvSpPr>
-            <p:cNvPr name="TextBox 12" id="12"/>
-            <p:cNvSpPr txBox="true"/>
+            <p:cNvPr id="12" name="TextBox 12"/>
+            <p:cNvSpPr txBox="1"/>
             <p:nvPr/>
           </p:nvSpPr>
           <p:spPr>
-            <a:xfrm rot="0">
+            <a:xfrm>
               <a:off x="0" y="228600"/>
               <a:ext cx="9883213" cy="4745565"/>
             </a:xfrm>
@@ -3494,7 +3832,7 @@
             </a:prstGeom>
           </p:spPr>
           <p:txBody>
-            <a:bodyPr anchor="t" rtlCol="false" tIns="0" lIns="0" bIns="0" rIns="0">
+            <a:bodyPr lIns="0" tIns="0" rIns="0" bIns="0" rtlCol="0" anchor="t">
               <a:spAutoFit/>
             </a:bodyPr>
             <a:lstStyle/>
@@ -3542,13 +3880,14 @@
 </file>
 
 <file path=ppt/slides/slide2.xml><?xml version="1.0" encoding="utf-8"?>
-<p:sld xmlns:p="http://schemas.openxmlformats.org/presentationml/2006/main" xmlns:a="http://schemas.openxmlformats.org/drawingml/2006/main">
+<p:sld xmlns:a="http://schemas.openxmlformats.org/drawingml/2006/main" xmlns:r="http://schemas.openxmlformats.org/officeDocument/2006/relationships" xmlns:p="http://schemas.openxmlformats.org/presentationml/2006/main">
   <p:cSld>
     <p:bg>
       <p:bgPr>
         <a:solidFill>
           <a:srgbClr val="F2F2F0"/>
         </a:solidFill>
+        <a:effectLst/>
       </p:bgPr>
     </p:bg>
     <p:spTree>
@@ -3567,12 +3906,12 @@
       </p:grpSpPr>
       <p:grpSp>
         <p:nvGrpSpPr>
-          <p:cNvPr name="Group 2" id="2"/>
+          <p:cNvPr id="2" name="Group 2"/>
           <p:cNvGrpSpPr/>
           <p:nvPr/>
         </p:nvGrpSpPr>
         <p:grpSpPr>
-          <a:xfrm rot="0">
+          <a:xfrm>
             <a:off x="0" y="0"/>
             <a:ext cx="18288000" cy="10287000"/>
             <a:chOff x="0" y="0"/>
@@ -3581,12 +3920,12 @@
         </p:grpSpPr>
         <p:sp>
           <p:nvSpPr>
-            <p:cNvPr name="Freeform 3" id="3"/>
+            <p:cNvPr id="3" name="Freeform 3"/>
             <p:cNvSpPr/>
             <p:nvPr/>
           </p:nvSpPr>
           <p:spPr>
-            <a:xfrm flipH="false" flipV="false" rot="0">
+            <a:xfrm>
               <a:off x="0" y="0"/>
               <a:ext cx="6186311" cy="3479800"/>
             </a:xfrm>
@@ -3595,9 +3934,9 @@
               <a:gdLst/>
               <a:ahLst/>
               <a:cxnLst/>
-              <a:rect r="r" b="b" t="t" l="l"/>
+              <a:rect l="l" t="t" r="r" b="b"/>
               <a:pathLst>
-                <a:path h="3479800" w="6186311">
+                <a:path w="6186311" h="3479800">
                   <a:moveTo>
                     <a:pt x="0" y="0"/>
                   </a:moveTo>
@@ -3637,16 +3976,23 @@
               <a:srgbClr val="FDFDFD"/>
             </a:solidFill>
           </p:spPr>
+          <p:txBody>
+            <a:bodyPr/>
+            <a:lstStyle/>
+            <a:p>
+              <a:endParaRPr lang="LID4096"/>
+            </a:p>
+          </p:txBody>
         </p:sp>
       </p:grpSp>
       <p:sp>
         <p:nvSpPr>
-          <p:cNvPr name="TextBox 4" id="4"/>
-          <p:cNvSpPr txBox="true"/>
+          <p:cNvPr id="4" name="TextBox 4"/>
+          <p:cNvSpPr txBox="1"/>
           <p:nvPr/>
         </p:nvSpPr>
         <p:spPr>
-          <a:xfrm rot="0">
+          <a:xfrm>
             <a:off x="2743695" y="744790"/>
             <a:ext cx="10950400" cy="1149350"/>
           </a:xfrm>
@@ -3655,7 +4001,7 @@
           </a:prstGeom>
         </p:spPr>
         <p:txBody>
-          <a:bodyPr anchor="t" rtlCol="false" tIns="0" lIns="0" bIns="0" rIns="0">
+          <a:bodyPr lIns="0" tIns="0" rIns="0" bIns="0" rtlCol="0" anchor="t">
             <a:spAutoFit/>
           </a:bodyPr>
           <a:lstStyle/>
@@ -3679,12 +4025,12 @@
       </p:sp>
       <p:sp>
         <p:nvSpPr>
-          <p:cNvPr name="TextBox 5" id="5"/>
-          <p:cNvSpPr txBox="true"/>
+          <p:cNvPr id="5" name="TextBox 5"/>
+          <p:cNvSpPr txBox="1"/>
           <p:nvPr/>
         </p:nvSpPr>
         <p:spPr>
-          <a:xfrm rot="0">
+          <a:xfrm>
             <a:off x="15875034" y="9216415"/>
             <a:ext cx="1384266" cy="287664"/>
           </a:xfrm>
@@ -3693,12 +4039,12 @@
           </a:prstGeom>
         </p:spPr>
         <p:txBody>
-          <a:bodyPr anchor="t" rtlCol="false" tIns="0" lIns="0" bIns="0" rIns="0">
+          <a:bodyPr lIns="0" tIns="0" rIns="0" bIns="0" rtlCol="0" anchor="t">
             <a:spAutoFit/>
           </a:bodyPr>
           <a:lstStyle/>
           <a:p>
-            <a:pPr algn="r" marL="0" indent="0" lvl="0">
+            <a:pPr marL="0" lvl="0" indent="0" algn="r">
               <a:lnSpc>
                 <a:spcPts val="2380"/>
               </a:lnSpc>
@@ -3707,7 +4053,7 @@
               </a:spcBef>
             </a:pPr>
             <a:r>
-              <a:rPr lang="en-US" sz="1700" spc="85" u="none">
+              <a:rPr lang="en-US" sz="1700" u="none" spc="85">
                 <a:solidFill>
                   <a:srgbClr val="FF66C4"/>
                 </a:solidFill>
@@ -3720,12 +4066,12 @@
       </p:sp>
       <p:sp>
         <p:nvSpPr>
-          <p:cNvPr name="TextBox 6" id="6"/>
-          <p:cNvSpPr txBox="true"/>
+          <p:cNvPr id="6" name="TextBox 6"/>
+          <p:cNvSpPr txBox="1"/>
           <p:nvPr/>
         </p:nvSpPr>
         <p:spPr>
-          <a:xfrm rot="0">
+          <a:xfrm>
             <a:off x="931517" y="5485303"/>
             <a:ext cx="8483074" cy="435610"/>
           </a:xfrm>
@@ -3734,7 +4080,7 @@
           </a:prstGeom>
         </p:spPr>
         <p:txBody>
-          <a:bodyPr anchor="t" rtlCol="false" tIns="0" lIns="0" bIns="0" rIns="0">
+          <a:bodyPr lIns="0" tIns="0" rIns="0" bIns="0" rtlCol="0" anchor="t">
             <a:spAutoFit/>
           </a:bodyPr>
           <a:lstStyle/>
@@ -3744,17 +4090,18 @@
                 <a:spcPts val="3679"/>
               </a:lnSpc>
             </a:pPr>
-          </a:p>
-        </p:txBody>
-      </p:sp>
-      <p:sp>
-        <p:nvSpPr>
-          <p:cNvPr name="TextBox 7" id="7"/>
-          <p:cNvSpPr txBox="true"/>
+            <a:endParaRPr/>
+          </a:p>
+        </p:txBody>
+      </p:sp>
+      <p:sp>
+        <p:nvSpPr>
+          <p:cNvPr id="7" name="TextBox 7"/>
+          <p:cNvSpPr txBox="1"/>
           <p:nvPr/>
         </p:nvSpPr>
         <p:spPr>
-          <a:xfrm rot="0">
+          <a:xfrm>
             <a:off x="470426" y="414761"/>
             <a:ext cx="5820688" cy="1708150"/>
           </a:xfrm>
@@ -3763,7 +4110,7 @@
           </a:prstGeom>
         </p:spPr>
         <p:txBody>
-          <a:bodyPr anchor="t" rtlCol="false" tIns="0" lIns="0" bIns="0" rIns="0">
+          <a:bodyPr lIns="0" tIns="0" rIns="0" bIns="0" rtlCol="0" anchor="t">
             <a:spAutoFit/>
           </a:bodyPr>
           <a:lstStyle/>
@@ -3787,12 +4134,12 @@
       </p:sp>
       <p:sp>
         <p:nvSpPr>
-          <p:cNvPr name="TextBox 8" id="8"/>
-          <p:cNvSpPr txBox="true"/>
+          <p:cNvPr id="8" name="TextBox 8"/>
+          <p:cNvSpPr txBox="1"/>
           <p:nvPr/>
         </p:nvSpPr>
         <p:spPr>
-          <a:xfrm rot="0">
+          <a:xfrm>
             <a:off x="1720833" y="2724377"/>
             <a:ext cx="14846334" cy="1503161"/>
           </a:xfrm>
@@ -3801,7 +4148,7 @@
           </a:prstGeom>
         </p:spPr>
         <p:txBody>
-          <a:bodyPr anchor="t" rtlCol="false" tIns="0" lIns="0" bIns="0" rIns="0">
+          <a:bodyPr lIns="0" tIns="0" rIns="0" bIns="0" rtlCol="0" anchor="t">
             <a:spAutoFit/>
           </a:bodyPr>
           <a:lstStyle/>
@@ -3825,12 +4172,12 @@
       </p:sp>
       <p:sp>
         <p:nvSpPr>
-          <p:cNvPr name="TextBox 9" id="9"/>
-          <p:cNvSpPr txBox="true"/>
+          <p:cNvPr id="9" name="TextBox 9"/>
+          <p:cNvSpPr txBox="1"/>
           <p:nvPr/>
         </p:nvSpPr>
         <p:spPr>
-          <a:xfrm rot="0">
+          <a:xfrm>
             <a:off x="270591" y="4846663"/>
             <a:ext cx="18288000" cy="3027247"/>
           </a:xfrm>
@@ -3839,12 +4186,12 @@
           </a:prstGeom>
         </p:spPr>
         <p:txBody>
-          <a:bodyPr anchor="t" rtlCol="false" tIns="0" lIns="0" bIns="0" rIns="0">
+          <a:bodyPr lIns="0" tIns="0" rIns="0" bIns="0" rtlCol="0" anchor="t">
             <a:spAutoFit/>
           </a:bodyPr>
           <a:lstStyle/>
           <a:p>
-            <a:pPr marL="743135" indent="-371568" lvl="1">
+            <a:pPr marL="743135" lvl="1" indent="-371568">
               <a:lnSpc>
                 <a:spcPts val="4818"/>
               </a:lnSpc>
@@ -3862,7 +4209,7 @@
             </a:r>
           </a:p>
           <a:p>
-            <a:pPr marL="743135" indent="-371568" lvl="1">
+            <a:pPr marL="743135" lvl="1" indent="-371568">
               <a:lnSpc>
                 <a:spcPts val="4818"/>
               </a:lnSpc>
@@ -3885,6 +4232,12 @@
                 <a:spcPts val="4818"/>
               </a:lnSpc>
             </a:pPr>
+            <a:endParaRPr lang="en-US" sz="3442">
+              <a:solidFill>
+                <a:srgbClr val="000000"/>
+              </a:solidFill>
+              <a:latin typeface="Canva Sans"/>
+            </a:endParaRPr>
           </a:p>
         </p:txBody>
       </p:sp>
@@ -3897,13 +4250,14 @@
 </file>
 
 <file path=ppt/slides/slide3.xml><?xml version="1.0" encoding="utf-8"?>
-<p:sld xmlns:p="http://schemas.openxmlformats.org/presentationml/2006/main" xmlns:a="http://schemas.openxmlformats.org/drawingml/2006/main">
+<p:sld xmlns:a="http://schemas.openxmlformats.org/drawingml/2006/main" xmlns:r="http://schemas.openxmlformats.org/officeDocument/2006/relationships" xmlns:p="http://schemas.openxmlformats.org/presentationml/2006/main">
   <p:cSld>
     <p:bg>
       <p:bgPr>
         <a:solidFill>
           <a:srgbClr val="F2F2F0"/>
         </a:solidFill>
+        <a:effectLst/>
       </p:bgPr>
     </p:bg>
     <p:spTree>
@@ -3922,12 +4276,12 @@
       </p:grpSpPr>
       <p:grpSp>
         <p:nvGrpSpPr>
-          <p:cNvPr name="Group 2" id="2"/>
+          <p:cNvPr id="2" name="Group 2"/>
           <p:cNvGrpSpPr/>
           <p:nvPr/>
         </p:nvGrpSpPr>
         <p:grpSpPr>
-          <a:xfrm rot="0">
+          <a:xfrm>
             <a:off x="-9525" y="0"/>
             <a:ext cx="18288000" cy="10287000"/>
             <a:chOff x="0" y="0"/>
@@ -3936,12 +4290,12 @@
         </p:grpSpPr>
         <p:sp>
           <p:nvSpPr>
-            <p:cNvPr name="Freeform 3" id="3"/>
+            <p:cNvPr id="3" name="Freeform 3"/>
             <p:cNvSpPr/>
             <p:nvPr/>
           </p:nvSpPr>
           <p:spPr>
-            <a:xfrm flipH="false" flipV="false" rot="0">
+            <a:xfrm>
               <a:off x="0" y="0"/>
               <a:ext cx="6186311" cy="3479800"/>
             </a:xfrm>
@@ -3950,9 +4304,9 @@
               <a:gdLst/>
               <a:ahLst/>
               <a:cxnLst/>
-              <a:rect r="r" b="b" t="t" l="l"/>
+              <a:rect l="l" t="t" r="r" b="b"/>
               <a:pathLst>
-                <a:path h="3479800" w="6186311">
+                <a:path w="6186311" h="3479800">
                   <a:moveTo>
                     <a:pt x="0" y="0"/>
                   </a:moveTo>
@@ -3992,16 +4346,23 @@
               <a:srgbClr val="FDFDFD"/>
             </a:solidFill>
           </p:spPr>
+          <p:txBody>
+            <a:bodyPr/>
+            <a:lstStyle/>
+            <a:p>
+              <a:endParaRPr lang="LID4096"/>
+            </a:p>
+          </p:txBody>
         </p:sp>
       </p:grpSp>
       <p:sp>
         <p:nvSpPr>
-          <p:cNvPr name="TextBox 4" id="4"/>
-          <p:cNvSpPr txBox="true"/>
+          <p:cNvPr id="4" name="TextBox 4"/>
+          <p:cNvSpPr txBox="1"/>
           <p:nvPr/>
         </p:nvSpPr>
         <p:spPr>
-          <a:xfrm rot="0">
+          <a:xfrm>
             <a:off x="15875034" y="9216415"/>
             <a:ext cx="1384266" cy="287664"/>
           </a:xfrm>
@@ -4010,12 +4371,12 @@
           </a:prstGeom>
         </p:spPr>
         <p:txBody>
-          <a:bodyPr anchor="t" rtlCol="false" tIns="0" lIns="0" bIns="0" rIns="0">
+          <a:bodyPr lIns="0" tIns="0" rIns="0" bIns="0" rtlCol="0" anchor="t">
             <a:spAutoFit/>
           </a:bodyPr>
           <a:lstStyle/>
           <a:p>
-            <a:pPr algn="r" marL="0" indent="0" lvl="0">
+            <a:pPr marL="0" lvl="0" indent="0" algn="r">
               <a:lnSpc>
                 <a:spcPts val="2380"/>
               </a:lnSpc>
@@ -4024,7 +4385,7 @@
               </a:spcBef>
             </a:pPr>
             <a:r>
-              <a:rPr lang="en-US" sz="1700" spc="85" u="none">
+              <a:rPr lang="en-US" sz="1700" u="none" spc="85">
                 <a:solidFill>
                   <a:srgbClr val="FF66C4"/>
                 </a:solidFill>
@@ -4037,12 +4398,12 @@
       </p:sp>
       <p:sp>
         <p:nvSpPr>
-          <p:cNvPr name="TextBox 5" id="5"/>
-          <p:cNvSpPr txBox="true"/>
+          <p:cNvPr id="5" name="TextBox 5"/>
+          <p:cNvSpPr txBox="1"/>
           <p:nvPr/>
         </p:nvSpPr>
         <p:spPr>
-          <a:xfrm rot="0">
+          <a:xfrm>
             <a:off x="415997" y="191923"/>
             <a:ext cx="5820688" cy="1708150"/>
           </a:xfrm>
@@ -4051,7 +4412,7 @@
           </a:prstGeom>
         </p:spPr>
         <p:txBody>
-          <a:bodyPr anchor="t" rtlCol="false" tIns="0" lIns="0" bIns="0" rIns="0">
+          <a:bodyPr lIns="0" tIns="0" rIns="0" bIns="0" rtlCol="0" anchor="t">
             <a:spAutoFit/>
           </a:bodyPr>
           <a:lstStyle/>
@@ -4075,12 +4436,12 @@
       </p:sp>
       <p:sp>
         <p:nvSpPr>
-          <p:cNvPr name="TextBox 6" id="6"/>
-          <p:cNvSpPr txBox="true"/>
+          <p:cNvPr id="6" name="TextBox 6"/>
+          <p:cNvSpPr txBox="1"/>
           <p:nvPr/>
         </p:nvSpPr>
         <p:spPr>
-          <a:xfrm rot="0">
+          <a:xfrm>
             <a:off x="2819695" y="599910"/>
             <a:ext cx="4144354" cy="1149350"/>
           </a:xfrm>
@@ -4089,7 +4450,7 @@
           </a:prstGeom>
         </p:spPr>
         <p:txBody>
-          <a:bodyPr anchor="t" rtlCol="false" tIns="0" lIns="0" bIns="0" rIns="0">
+          <a:bodyPr lIns="0" tIns="0" rIns="0" bIns="0" rtlCol="0" anchor="t">
             <a:spAutoFit/>
           </a:bodyPr>
           <a:lstStyle/>
@@ -4113,12 +4474,12 @@
       </p:sp>
       <p:sp>
         <p:nvSpPr>
-          <p:cNvPr name="TextBox 7" id="7"/>
-          <p:cNvSpPr txBox="true"/>
+          <p:cNvPr id="7" name="TextBox 7"/>
+          <p:cNvSpPr txBox="1"/>
           <p:nvPr/>
         </p:nvSpPr>
         <p:spPr>
-          <a:xfrm rot="0">
+          <a:xfrm>
             <a:off x="757545" y="1908470"/>
             <a:ext cx="16753859" cy="3636847"/>
           </a:xfrm>
@@ -4127,7 +4488,7 @@
           </a:prstGeom>
         </p:spPr>
         <p:txBody>
-          <a:bodyPr anchor="t" rtlCol="false" tIns="0" lIns="0" bIns="0" rIns="0">
+          <a:bodyPr lIns="0" tIns="0" rIns="0" bIns="0" rtlCol="0" anchor="t">
             <a:spAutoFit/>
           </a:bodyPr>
           <a:lstStyle/>
@@ -4137,9 +4498,10 @@
                 <a:spcPts val="4818"/>
               </a:lnSpc>
             </a:pPr>
-          </a:p>
-          <a:p>
-            <a:pPr marL="743135" indent="-371568" lvl="1">
+            <a:endParaRPr/>
+          </a:p>
+          <a:p>
+            <a:pPr marL="743135" lvl="1" indent="-371568">
               <a:lnSpc>
                 <a:spcPts val="4818"/>
               </a:lnSpc>
@@ -4157,7 +4519,7 @@
             </a:r>
           </a:p>
           <a:p>
-            <a:pPr marL="743135" indent="-371568" lvl="1">
+            <a:pPr marL="743135" lvl="1" indent="-371568">
               <a:lnSpc>
                 <a:spcPts val="4818"/>
               </a:lnSpc>
@@ -4175,7 +4537,7 @@
             </a:r>
           </a:p>
           <a:p>
-            <a:pPr marL="743135" indent="-371568" lvl="1">
+            <a:pPr marL="743135" lvl="1" indent="-371568">
               <a:lnSpc>
                 <a:spcPts val="4818"/>
               </a:lnSpc>
@@ -4198,17 +4560,23 @@
                 <a:spcPts val="4818"/>
               </a:lnSpc>
             </a:pPr>
-          </a:p>
-        </p:txBody>
-      </p:sp>
-      <p:sp>
-        <p:nvSpPr>
-          <p:cNvPr name="TextBox 8" id="8"/>
-          <p:cNvSpPr txBox="true"/>
+            <a:endParaRPr lang="en-US" sz="3442">
+              <a:solidFill>
+                <a:srgbClr val="000000"/>
+              </a:solidFill>
+              <a:latin typeface="Canva Sans"/>
+            </a:endParaRPr>
+          </a:p>
+        </p:txBody>
+      </p:sp>
+      <p:sp>
+        <p:nvSpPr>
+          <p:cNvPr id="8" name="TextBox 8"/>
+          <p:cNvSpPr txBox="1"/>
           <p:nvPr/>
         </p:nvSpPr>
         <p:spPr>
-          <a:xfrm rot="0">
+          <a:xfrm>
             <a:off x="1028700" y="4488646"/>
             <a:ext cx="8919716" cy="3027247"/>
           </a:xfrm>
@@ -4217,7 +4585,7 @@
           </a:prstGeom>
         </p:spPr>
         <p:txBody>
-          <a:bodyPr anchor="t" rtlCol="false" tIns="0" lIns="0" bIns="0" rIns="0">
+          <a:bodyPr lIns="0" tIns="0" rIns="0" bIns="0" rtlCol="0" anchor="t">
             <a:spAutoFit/>
           </a:bodyPr>
           <a:lstStyle/>
@@ -4227,9 +4595,10 @@
                 <a:spcPts val="4818"/>
               </a:lnSpc>
             </a:pPr>
-          </a:p>
-          <a:p>
-            <a:pPr marL="1486271" indent="-495424" lvl="2">
+            <a:endParaRPr/>
+          </a:p>
+          <a:p>
+            <a:pPr marL="1486271" lvl="2" indent="-495424">
               <a:lnSpc>
                 <a:spcPts val="4818"/>
               </a:lnSpc>
@@ -4247,7 +4616,7 @@
             </a:r>
           </a:p>
           <a:p>
-            <a:pPr marL="1486271" indent="-495424" lvl="2">
+            <a:pPr marL="1486271" lvl="2" indent="-495424">
               <a:lnSpc>
                 <a:spcPts val="4818"/>
               </a:lnSpc>
@@ -4265,7 +4634,7 @@
             </a:r>
           </a:p>
           <a:p>
-            <a:pPr marL="1486271" indent="-495424" lvl="2">
+            <a:pPr marL="1486271" lvl="2" indent="-495424">
               <a:lnSpc>
                 <a:spcPts val="4818"/>
               </a:lnSpc>
@@ -4288,6 +4657,12 @@
                 <a:spcPts val="4818"/>
               </a:lnSpc>
             </a:pPr>
+            <a:endParaRPr lang="en-US" sz="3442">
+              <a:solidFill>
+                <a:srgbClr val="000000"/>
+              </a:solidFill>
+              <a:latin typeface="Canva Sans"/>
+            </a:endParaRPr>
           </a:p>
         </p:txBody>
       </p:sp>
@@ -4300,13 +4675,14 @@
 </file>
 
 <file path=ppt/slides/slide4.xml><?xml version="1.0" encoding="utf-8"?>
-<p:sld xmlns:p="http://schemas.openxmlformats.org/presentationml/2006/main" xmlns:a="http://schemas.openxmlformats.org/drawingml/2006/main">
+<p:sld xmlns:a="http://schemas.openxmlformats.org/drawingml/2006/main" xmlns:r="http://schemas.openxmlformats.org/officeDocument/2006/relationships" xmlns:p="http://schemas.openxmlformats.org/presentationml/2006/main">
   <p:cSld>
     <p:bg>
       <p:bgPr>
         <a:solidFill>
           <a:srgbClr val="F2F2F0"/>
         </a:solidFill>
+        <a:effectLst/>
       </p:bgPr>
     </p:bg>
     <p:spTree>
@@ -4325,12 +4701,12 @@
       </p:grpSpPr>
       <p:grpSp>
         <p:nvGrpSpPr>
-          <p:cNvPr name="Group 2" id="2"/>
+          <p:cNvPr id="2" name="Group 2"/>
           <p:cNvGrpSpPr/>
           <p:nvPr/>
         </p:nvGrpSpPr>
         <p:grpSpPr>
-          <a:xfrm rot="0">
+          <a:xfrm>
             <a:off x="-9525" y="0"/>
             <a:ext cx="18288000" cy="10287000"/>
             <a:chOff x="0" y="0"/>
@@ -4339,12 +4715,12 @@
         </p:grpSpPr>
         <p:sp>
           <p:nvSpPr>
-            <p:cNvPr name="Freeform 3" id="3"/>
+            <p:cNvPr id="3" name="Freeform 3"/>
             <p:cNvSpPr/>
             <p:nvPr/>
           </p:nvSpPr>
           <p:spPr>
-            <a:xfrm flipH="false" flipV="false" rot="0">
+            <a:xfrm>
               <a:off x="0" y="0"/>
               <a:ext cx="6186311" cy="3479800"/>
             </a:xfrm>
@@ -4353,9 +4729,9 @@
               <a:gdLst/>
               <a:ahLst/>
               <a:cxnLst/>
-              <a:rect r="r" b="b" t="t" l="l"/>
+              <a:rect l="l" t="t" r="r" b="b"/>
               <a:pathLst>
-                <a:path h="3479800" w="6186311">
+                <a:path w="6186311" h="3479800">
                   <a:moveTo>
                     <a:pt x="0" y="0"/>
                   </a:moveTo>
@@ -4395,16 +4771,23 @@
               <a:srgbClr val="FDFDFD"/>
             </a:solidFill>
           </p:spPr>
+          <p:txBody>
+            <a:bodyPr/>
+            <a:lstStyle/>
+            <a:p>
+              <a:endParaRPr lang="LID4096"/>
+            </a:p>
+          </p:txBody>
         </p:sp>
       </p:grpSp>
       <p:sp>
         <p:nvSpPr>
-          <p:cNvPr name="TextBox 4" id="4"/>
-          <p:cNvSpPr txBox="true"/>
+          <p:cNvPr id="4" name="TextBox 4"/>
+          <p:cNvSpPr txBox="1"/>
           <p:nvPr/>
         </p:nvSpPr>
         <p:spPr>
-          <a:xfrm rot="0">
+          <a:xfrm>
             <a:off x="15875034" y="9216415"/>
             <a:ext cx="1384266" cy="287664"/>
           </a:xfrm>
@@ -4413,12 +4796,12 @@
           </a:prstGeom>
         </p:spPr>
         <p:txBody>
-          <a:bodyPr anchor="t" rtlCol="false" tIns="0" lIns="0" bIns="0" rIns="0">
+          <a:bodyPr lIns="0" tIns="0" rIns="0" bIns="0" rtlCol="0" anchor="t">
             <a:spAutoFit/>
           </a:bodyPr>
           <a:lstStyle/>
           <a:p>
-            <a:pPr algn="r" marL="0" indent="0" lvl="0">
+            <a:pPr marL="0" lvl="0" indent="0" algn="r">
               <a:lnSpc>
                 <a:spcPts val="2380"/>
               </a:lnSpc>
@@ -4427,7 +4810,7 @@
               </a:spcBef>
             </a:pPr>
             <a:r>
-              <a:rPr lang="en-US" sz="1700" spc="85" u="none">
+              <a:rPr lang="en-US" sz="1700" u="none" spc="85">
                 <a:solidFill>
                   <a:srgbClr val="FF66C4"/>
                 </a:solidFill>
@@ -4438,277 +4821,41 @@
           </a:p>
         </p:txBody>
       </p:sp>
-      <p:sp>
-        <p:nvSpPr>
-          <p:cNvPr name="TextBox 5" id="5"/>
-          <p:cNvSpPr txBox="true"/>
+      <p:pic>
+        <p:nvPicPr>
+          <p:cNvPr id="10" name="Picture 9">
+            <a:extLst>
+              <a:ext uri="{FF2B5EF4-FFF2-40B4-BE49-F238E27FC236}">
+                <a16:creationId xmlns:a16="http://schemas.microsoft.com/office/drawing/2014/main" id="{BCC6C7D5-D7CB-ED56-8201-D66354F0DB00}"/>
+              </a:ext>
+            </a:extLst>
+          </p:cNvPr>
+          <p:cNvPicPr>
+            <a:picLocks noChangeAspect="1"/>
+          </p:cNvPicPr>
           <p:nvPr/>
-        </p:nvSpPr>
+        </p:nvPicPr>
+        <p:blipFill rotWithShape="1">
+          <a:blip r:embed="rId2"/>
+          <a:srcRect l="32407" t="29259" r="29166" b="20371"/>
+          <a:stretch/>
+        </p:blipFill>
         <p:spPr>
-          <a:xfrm rot="0">
-            <a:off x="415997" y="191923"/>
-            <a:ext cx="5820688" cy="1708150"/>
+          <a:xfrm>
+            <a:off x="3124200" y="294052"/>
+            <a:ext cx="12192000" cy="9988627"/>
           </a:xfrm>
           <a:prstGeom prst="rect">
             <a:avLst/>
           </a:prstGeom>
         </p:spPr>
-        <p:txBody>
-          <a:bodyPr anchor="t" rtlCol="false" tIns="0" lIns="0" bIns="0" rIns="0">
-            <a:spAutoFit/>
-          </a:bodyPr>
-          <a:lstStyle/>
-          <a:p>
-            <a:pPr algn="just">
-              <a:lnSpc>
-                <a:spcPts val="13999"/>
-              </a:lnSpc>
-            </a:pPr>
-            <a:r>
-              <a:rPr lang="en-US" sz="9999" spc="499">
-                <a:solidFill>
-                  <a:srgbClr val="FF66C4"/>
-                </a:solidFill>
-                <a:latin typeface="DM Sans"/>
-              </a:rPr>
-              <a:t>03</a:t>
-            </a:r>
-          </a:p>
-        </p:txBody>
-      </p:sp>
-      <p:sp>
-        <p:nvSpPr>
-          <p:cNvPr name="TextBox 6" id="6"/>
-          <p:cNvSpPr txBox="true"/>
-          <p:nvPr/>
-        </p:nvSpPr>
-        <p:spPr>
-          <a:xfrm rot="0">
-            <a:off x="2610020" y="599910"/>
-            <a:ext cx="6741799" cy="1149350"/>
-          </a:xfrm>
-          <a:prstGeom prst="rect">
-            <a:avLst/>
-          </a:prstGeom>
-        </p:spPr>
-        <p:txBody>
-          <a:bodyPr anchor="t" rtlCol="false" tIns="0" lIns="0" bIns="0" rIns="0">
-            <a:spAutoFit/>
-          </a:bodyPr>
-          <a:lstStyle/>
-          <a:p>
-            <a:pPr>
-              <a:lnSpc>
-                <a:spcPts val="8800"/>
-              </a:lnSpc>
-            </a:pPr>
-            <a:r>
-              <a:rPr lang="en-US" sz="8000" spc="-400">
-                <a:solidFill>
-                  <a:srgbClr val="000000"/>
-                </a:solidFill>
-                <a:latin typeface="DM Sans"/>
-              </a:rPr>
-              <a:t>Tech Stack</a:t>
-            </a:r>
-          </a:p>
-        </p:txBody>
-      </p:sp>
-      <p:sp>
-        <p:nvSpPr>
-          <p:cNvPr name="TextBox 7" id="7"/>
-          <p:cNvSpPr txBox="true"/>
-          <p:nvPr/>
-        </p:nvSpPr>
-        <p:spPr>
-          <a:xfrm rot="0">
-            <a:off x="1299190" y="1897349"/>
-            <a:ext cx="3670325" cy="3636847"/>
-          </a:xfrm>
-          <a:prstGeom prst="rect">
-            <a:avLst/>
-          </a:prstGeom>
-        </p:spPr>
-        <p:txBody>
-          <a:bodyPr anchor="t" rtlCol="false" tIns="0" lIns="0" bIns="0" rIns="0">
-            <a:spAutoFit/>
-          </a:bodyPr>
-          <a:lstStyle/>
-          <a:p>
-            <a:pPr>
-              <a:lnSpc>
-                <a:spcPts val="4818"/>
-              </a:lnSpc>
-            </a:pPr>
-          </a:p>
-          <a:p>
-            <a:pPr marL="743135" indent="-371568" lvl="1">
-              <a:lnSpc>
-                <a:spcPts val="4818"/>
-              </a:lnSpc>
-              <a:buFont typeface="Arial"/>
-              <a:buChar char="•"/>
-            </a:pPr>
-            <a:r>
-              <a:rPr lang="en-US" sz="3442">
-                <a:solidFill>
-                  <a:srgbClr val="000000"/>
-                </a:solidFill>
-                <a:latin typeface="Canva Sans"/>
-              </a:rPr>
-              <a:t>JavaScript</a:t>
-            </a:r>
-          </a:p>
-          <a:p>
-            <a:pPr marL="743135" indent="-371568" lvl="1">
-              <a:lnSpc>
-                <a:spcPts val="4818"/>
-              </a:lnSpc>
-              <a:buFont typeface="Arial"/>
-              <a:buChar char="•"/>
-            </a:pPr>
-            <a:r>
-              <a:rPr lang="en-US" sz="3442">
-                <a:solidFill>
-                  <a:srgbClr val="000000"/>
-                </a:solidFill>
-                <a:latin typeface="Canva Sans"/>
-              </a:rPr>
-              <a:t>MD5</a:t>
-            </a:r>
-          </a:p>
-          <a:p>
-            <a:pPr marL="743135" indent="-371568" lvl="1">
-              <a:lnSpc>
-                <a:spcPts val="4818"/>
-              </a:lnSpc>
-              <a:buFont typeface="Arial"/>
-              <a:buChar char="•"/>
-            </a:pPr>
-            <a:r>
-              <a:rPr lang="en-US" sz="3442">
-                <a:solidFill>
-                  <a:srgbClr val="000000"/>
-                </a:solidFill>
-                <a:latin typeface="Canva Sans"/>
-              </a:rPr>
-              <a:t>Cloud hosting</a:t>
-            </a:r>
-          </a:p>
-          <a:p>
-            <a:pPr marL="743135" indent="-371568" lvl="1">
-              <a:lnSpc>
-                <a:spcPts val="4818"/>
-              </a:lnSpc>
-              <a:buFont typeface="Arial"/>
-              <a:buChar char="•"/>
-            </a:pPr>
-            <a:r>
-              <a:rPr lang="en-US" sz="3442">
-                <a:solidFill>
-                  <a:srgbClr val="000000"/>
-                </a:solidFill>
-                <a:latin typeface="Canva Sans"/>
-              </a:rPr>
-              <a:t>Website:</a:t>
-            </a:r>
-          </a:p>
-          <a:p>
-            <a:pPr algn="ctr">
-              <a:lnSpc>
-                <a:spcPts val="4818"/>
-              </a:lnSpc>
-            </a:pPr>
-          </a:p>
-        </p:txBody>
-      </p:sp>
-      <p:sp>
-        <p:nvSpPr>
-          <p:cNvPr name="TextBox 8" id="8"/>
-          <p:cNvSpPr txBox="true"/>
-          <p:nvPr/>
-        </p:nvSpPr>
-        <p:spPr>
-          <a:xfrm rot="0">
-            <a:off x="2345723" y="5076825"/>
-            <a:ext cx="8162925" cy="2344342"/>
-          </a:xfrm>
-          <a:prstGeom prst="rect">
-            <a:avLst/>
-          </a:prstGeom>
-        </p:spPr>
-        <p:txBody>
-          <a:bodyPr anchor="t" rtlCol="false" tIns="0" lIns="0" bIns="0" rIns="0">
-            <a:spAutoFit/>
-          </a:bodyPr>
-          <a:lstStyle/>
-          <a:p>
-            <a:pPr marL="718531" indent="-359265" lvl="1">
-              <a:lnSpc>
-                <a:spcPts val="4659"/>
-              </a:lnSpc>
-              <a:buFont typeface="Arial"/>
-              <a:buChar char="•"/>
-            </a:pPr>
-            <a:r>
-              <a:rPr lang="en-US" sz="3328">
-                <a:solidFill>
-                  <a:srgbClr val="000000"/>
-                </a:solidFill>
-                <a:latin typeface="Canva Sans"/>
-              </a:rPr>
-              <a:t>User interface for blind people</a:t>
-            </a:r>
-          </a:p>
-          <a:p>
-            <a:pPr marL="718531" indent="-359265" lvl="1">
-              <a:lnSpc>
-                <a:spcPts val="4659"/>
-              </a:lnSpc>
-              <a:buFont typeface="Arial"/>
-              <a:buChar char="•"/>
-            </a:pPr>
-            <a:r>
-              <a:rPr lang="en-US" sz="3328">
-                <a:solidFill>
-                  <a:srgbClr val="000000"/>
-                </a:solidFill>
-                <a:latin typeface="Canva Sans"/>
-              </a:rPr>
-              <a:t>Database of government documents</a:t>
-            </a:r>
-          </a:p>
-          <a:p>
-            <a:pPr marL="718531" indent="-359265" lvl="1">
-              <a:lnSpc>
-                <a:spcPts val="4659"/>
-              </a:lnSpc>
-              <a:buFont typeface="Arial"/>
-              <a:buChar char="•"/>
-            </a:pPr>
-            <a:r>
-              <a:rPr lang="en-US" sz="3328">
-                <a:solidFill>
-                  <a:srgbClr val="000000"/>
-                </a:solidFill>
-                <a:latin typeface="Canva Sans"/>
-              </a:rPr>
-              <a:t>Search engine</a:t>
-            </a:r>
-          </a:p>
-          <a:p>
-            <a:pPr>
-              <a:lnSpc>
-                <a:spcPts val="4659"/>
-              </a:lnSpc>
-              <a:spcBef>
-                <a:spcPct val="0"/>
-              </a:spcBef>
-            </a:pPr>
-          </a:p>
-        </p:txBody>
-      </p:sp>
+      </p:pic>
     </p:spTree>
+    <p:extLst>
+      <p:ext uri="{BB962C8B-B14F-4D97-AF65-F5344CB8AC3E}">
+        <p14:creationId xmlns:p14="http://schemas.microsoft.com/office/powerpoint/2010/main" val="3196927216"/>
+      </p:ext>
+    </p:extLst>
   </p:cSld>
   <p:clrMapOvr>
     <a:masterClrMapping/>
@@ -4717,13 +4864,14 @@
 </file>
 
 <file path=ppt/slides/slide5.xml><?xml version="1.0" encoding="utf-8"?>
-<p:sld xmlns:p="http://schemas.openxmlformats.org/presentationml/2006/main" xmlns:a="http://schemas.openxmlformats.org/drawingml/2006/main">
+<p:sld xmlns:a="http://schemas.openxmlformats.org/drawingml/2006/main" xmlns:r="http://schemas.openxmlformats.org/officeDocument/2006/relationships" xmlns:p="http://schemas.openxmlformats.org/presentationml/2006/main">
   <p:cSld>
     <p:bg>
       <p:bgPr>
         <a:solidFill>
           <a:srgbClr val="F2F2F0"/>
         </a:solidFill>
+        <a:effectLst/>
       </p:bgPr>
     </p:bg>
     <p:spTree>
@@ -4740,14 +4888,95 @@
           <a:chExt cx="0" cy="0"/>
         </a:xfrm>
       </p:grpSpPr>
-      <p:sp>
-        <p:nvSpPr>
-          <p:cNvPr name="TextBox 2" id="2"/>
-          <p:cNvSpPr txBox="true"/>
+      <p:grpSp>
+        <p:nvGrpSpPr>
+          <p:cNvPr id="2" name="Group 2"/>
+          <p:cNvGrpSpPr/>
           <p:nvPr/>
+        </p:nvGrpSpPr>
+        <p:grpSpPr>
+          <a:xfrm>
+            <a:off x="-9525" y="0"/>
+            <a:ext cx="18288000" cy="10287000"/>
+            <a:chOff x="0" y="0"/>
+            <a:chExt cx="6186311" cy="3479800"/>
+          </a:xfrm>
+        </p:grpSpPr>
+        <p:sp>
+          <p:nvSpPr>
+            <p:cNvPr id="3" name="Freeform 3"/>
+            <p:cNvSpPr/>
+            <p:nvPr/>
+          </p:nvSpPr>
+          <p:spPr>
+            <a:xfrm>
+              <a:off x="0" y="0"/>
+              <a:ext cx="6186311" cy="3479800"/>
+            </a:xfrm>
+            <a:custGeom>
+              <a:avLst/>
+              <a:gdLst/>
+              <a:ahLst/>
+              <a:cxnLst/>
+              <a:rect l="l" t="t" r="r" b="b"/>
+              <a:pathLst>
+                <a:path w="6186311" h="3479800">
+                  <a:moveTo>
+                    <a:pt x="0" y="0"/>
+                  </a:moveTo>
+                  <a:lnTo>
+                    <a:pt x="0" y="3479800"/>
+                  </a:lnTo>
+                  <a:lnTo>
+                    <a:pt x="6186311" y="3479800"/>
+                  </a:lnTo>
+                  <a:lnTo>
+                    <a:pt x="6186311" y="0"/>
+                  </a:lnTo>
+                  <a:lnTo>
+                    <a:pt x="0" y="0"/>
+                  </a:lnTo>
+                  <a:close/>
+                  <a:moveTo>
+                    <a:pt x="6125351" y="3418840"/>
+                  </a:moveTo>
+                  <a:lnTo>
+                    <a:pt x="59690" y="3418840"/>
+                  </a:lnTo>
+                  <a:lnTo>
+                    <a:pt x="59690" y="59690"/>
+                  </a:lnTo>
+                  <a:lnTo>
+                    <a:pt x="6125351" y="59690"/>
+                  </a:lnTo>
+                  <a:lnTo>
+                    <a:pt x="6125351" y="3418840"/>
+                  </a:lnTo>
+                  <a:close/>
+                </a:path>
+              </a:pathLst>
+            </a:custGeom>
+            <a:solidFill>
+              <a:srgbClr val="FDFDFD"/>
+            </a:solidFill>
+          </p:spPr>
+          <p:txBody>
+            <a:bodyPr/>
+            <a:lstStyle/>
+            <a:p>
+              <a:endParaRPr lang="LID4096"/>
+            </a:p>
+          </p:txBody>
+        </p:sp>
+      </p:grpSp>
+      <p:sp>
+        <p:nvSpPr>
+          <p:cNvPr id="4" name="TextBox 4"/>
+          <p:cNvSpPr txBox="1"/>
+          <p:nvPr/>
         </p:nvSpPr>
         <p:spPr>
-          <a:xfrm rot="0">
+          <a:xfrm>
             <a:off x="15875034" y="9216415"/>
             <a:ext cx="1384266" cy="287664"/>
           </a:xfrm>
@@ -4756,12 +4985,12 @@
           </a:prstGeom>
         </p:spPr>
         <p:txBody>
-          <a:bodyPr anchor="t" rtlCol="false" tIns="0" lIns="0" bIns="0" rIns="0">
+          <a:bodyPr lIns="0" tIns="0" rIns="0" bIns="0" rtlCol="0" anchor="t">
             <a:spAutoFit/>
           </a:bodyPr>
           <a:lstStyle/>
           <a:p>
-            <a:pPr algn="r" marL="0" indent="0" lvl="0">
+            <a:pPr marL="0" lvl="0" indent="0" algn="r">
               <a:lnSpc>
                 <a:spcPts val="2380"/>
               </a:lnSpc>
@@ -4770,7 +4999,7 @@
               </a:spcBef>
             </a:pPr>
             <a:r>
-              <a:rPr lang="en-US" sz="1700" spc="85" u="none">
+              <a:rPr lang="en-US" sz="1700" u="none" spc="85">
                 <a:solidFill>
                   <a:srgbClr val="FF66C4"/>
                 </a:solidFill>
@@ -4783,12 +5012,12 @@
       </p:sp>
       <p:sp>
         <p:nvSpPr>
-          <p:cNvPr name="TextBox 3" id="3"/>
-          <p:cNvSpPr txBox="true"/>
+          <p:cNvPr id="5" name="TextBox 5"/>
+          <p:cNvSpPr txBox="1"/>
           <p:nvPr/>
         </p:nvSpPr>
         <p:spPr>
-          <a:xfrm rot="0">
+          <a:xfrm>
             <a:off x="415997" y="191923"/>
             <a:ext cx="5820688" cy="1708150"/>
           </a:xfrm>
@@ -4797,7 +5026,7 @@
           </a:prstGeom>
         </p:spPr>
         <p:txBody>
-          <a:bodyPr anchor="t" rtlCol="false" tIns="0" lIns="0" bIns="0" rIns="0">
+          <a:bodyPr lIns="0" tIns="0" rIns="0" bIns="0" rtlCol="0" anchor="t">
             <a:spAutoFit/>
           </a:bodyPr>
           <a:lstStyle/>
@@ -4814,20 +5043,20 @@
                 </a:solidFill>
                 <a:latin typeface="DM Sans"/>
               </a:rPr>
-              <a:t>04</a:t>
-            </a:r>
-          </a:p>
-        </p:txBody>
-      </p:sp>
-      <p:sp>
-        <p:nvSpPr>
-          <p:cNvPr name="TextBox 4" id="4"/>
-          <p:cNvSpPr txBox="true"/>
+              <a:t>03</a:t>
+            </a:r>
+          </a:p>
+        </p:txBody>
+      </p:sp>
+      <p:sp>
+        <p:nvSpPr>
+          <p:cNvPr id="6" name="TextBox 6"/>
+          <p:cNvSpPr txBox="1"/>
           <p:nvPr/>
         </p:nvSpPr>
         <p:spPr>
-          <a:xfrm rot="0">
-            <a:off x="2584042" y="599910"/>
+          <a:xfrm>
+            <a:off x="2610020" y="599910"/>
             <a:ext cx="6741799" cy="1149350"/>
           </a:xfrm>
           <a:prstGeom prst="rect">
@@ -4835,7 +5064,7 @@
           </a:prstGeom>
         </p:spPr>
         <p:txBody>
-          <a:bodyPr anchor="t" rtlCol="false" tIns="0" lIns="0" bIns="0" rIns="0">
+          <a:bodyPr lIns="0" tIns="0" rIns="0" bIns="0" rtlCol="0" anchor="t">
             <a:spAutoFit/>
           </a:bodyPr>
           <a:lstStyle/>
@@ -4852,28 +5081,28 @@
                 </a:solidFill>
                 <a:latin typeface="DM Sans"/>
               </a:rPr>
-              <a:t>Uniqueness</a:t>
-            </a:r>
-          </a:p>
-        </p:txBody>
-      </p:sp>
-      <p:sp>
-        <p:nvSpPr>
-          <p:cNvPr name="TextBox 5" id="5"/>
-          <p:cNvSpPr txBox="true"/>
+              <a:t>Tech Stack</a:t>
+            </a:r>
+          </a:p>
+        </p:txBody>
+      </p:sp>
+      <p:sp>
+        <p:nvSpPr>
+          <p:cNvPr id="7" name="TextBox 7"/>
+          <p:cNvSpPr txBox="1"/>
           <p:nvPr/>
         </p:nvSpPr>
         <p:spPr>
-          <a:xfrm rot="0">
-            <a:off x="415997" y="2435761"/>
-            <a:ext cx="16185224" cy="4856047"/>
+          <a:xfrm>
+            <a:off x="1299190" y="1897349"/>
+            <a:ext cx="6016010" cy="3653372"/>
           </a:xfrm>
           <a:prstGeom prst="rect">
             <a:avLst/>
           </a:prstGeom>
         </p:spPr>
         <p:txBody>
-          <a:bodyPr anchor="t" rtlCol="false" tIns="0" lIns="0" bIns="0" rIns="0">
+          <a:bodyPr wrap="square" lIns="0" tIns="0" rIns="0" bIns="0" rtlCol="0" anchor="t">
             <a:spAutoFit/>
           </a:bodyPr>
           <a:lstStyle/>
@@ -4883,9 +5112,10 @@
                 <a:spcPts val="4818"/>
               </a:lnSpc>
             </a:pPr>
-          </a:p>
-          <a:p>
-            <a:pPr marL="743135" indent="-371568" lvl="1">
+            <a:endParaRPr dirty="0"/>
+          </a:p>
+          <a:p>
+            <a:pPr marL="743135" lvl="1" indent="-371568">
               <a:lnSpc>
                 <a:spcPts val="4818"/>
               </a:lnSpc>
@@ -4893,17 +5123,17 @@
               <a:buChar char="•"/>
             </a:pPr>
             <a:r>
-              <a:rPr lang="en-US" sz="3442">
+              <a:rPr lang="en-US" sz="3442" dirty="0">
                 <a:solidFill>
                   <a:srgbClr val="000000"/>
                 </a:solidFill>
                 <a:latin typeface="Canva Sans"/>
               </a:rPr>
-              <a:t>It is the first website to provide a comprehensive solution to the problem of making government documents accessible to blind people.</a:t>
-            </a:r>
-          </a:p>
-          <a:p>
-            <a:pPr marL="743135" indent="-371568" lvl="1">
+              <a:t>JavaScript / python</a:t>
+            </a:r>
+          </a:p>
+          <a:p>
+            <a:pPr marL="743135" lvl="1" indent="-371568">
               <a:lnSpc>
                 <a:spcPts val="4818"/>
               </a:lnSpc>
@@ -4911,17 +5141,17 @@
               <a:buChar char="•"/>
             </a:pPr>
             <a:r>
-              <a:rPr lang="en-US" sz="3442">
+              <a:rPr lang="en-US" sz="3442" dirty="0">
                 <a:solidFill>
                   <a:srgbClr val="000000"/>
                 </a:solidFill>
                 <a:latin typeface="Canva Sans"/>
               </a:rPr>
-              <a:t>It uses cutting-edge technology to provide a high-quality experience for users.</a:t>
-            </a:r>
-          </a:p>
-          <a:p>
-            <a:pPr marL="743135" indent="-371568" lvl="1">
+              <a:t>MD5</a:t>
+            </a:r>
+          </a:p>
+          <a:p>
+            <a:pPr marL="743135" lvl="1" indent="-371568">
               <a:lnSpc>
                 <a:spcPts val="4818"/>
               </a:lnSpc>
@@ -4929,13 +5159,31 @@
               <a:buChar char="•"/>
             </a:pPr>
             <a:r>
-              <a:rPr lang="en-US" sz="3442">
+              <a:rPr lang="en-US" sz="3442" dirty="0">
                 <a:solidFill>
                   <a:srgbClr val="000000"/>
                 </a:solidFill>
                 <a:latin typeface="Canva Sans"/>
               </a:rPr>
-              <a:t>It is designed to be user-friendly and accessible to people with all levels of visual impairment.</a:t>
+              <a:t>Cloud hosting</a:t>
+            </a:r>
+          </a:p>
+          <a:p>
+            <a:pPr marL="743135" lvl="1" indent="-371568">
+              <a:lnSpc>
+                <a:spcPts val="4818"/>
+              </a:lnSpc>
+              <a:buFont typeface="Arial"/>
+              <a:buChar char="•"/>
+            </a:pPr>
+            <a:r>
+              <a:rPr lang="en-US" sz="3442" dirty="0">
+                <a:solidFill>
+                  <a:srgbClr val="000000"/>
+                </a:solidFill>
+                <a:latin typeface="Canva Sans"/>
+              </a:rPr>
+              <a:t>Website:</a:t>
             </a:r>
           </a:p>
           <a:p>
@@ -4944,6 +5192,104 @@
                 <a:spcPts val="4818"/>
               </a:lnSpc>
             </a:pPr>
+            <a:endParaRPr lang="en-US" sz="3442" dirty="0">
+              <a:solidFill>
+                <a:srgbClr val="000000"/>
+              </a:solidFill>
+              <a:latin typeface="Canva Sans"/>
+            </a:endParaRPr>
+          </a:p>
+        </p:txBody>
+      </p:sp>
+      <p:sp>
+        <p:nvSpPr>
+          <p:cNvPr id="8" name="TextBox 8"/>
+          <p:cNvSpPr txBox="1"/>
+          <p:nvPr/>
+        </p:nvSpPr>
+        <p:spPr>
+          <a:xfrm>
+            <a:off x="2345723" y="5076825"/>
+            <a:ext cx="8162925" cy="2344342"/>
+          </a:xfrm>
+          <a:prstGeom prst="rect">
+            <a:avLst/>
+          </a:prstGeom>
+        </p:spPr>
+        <p:txBody>
+          <a:bodyPr lIns="0" tIns="0" rIns="0" bIns="0" rtlCol="0" anchor="t">
+            <a:spAutoFit/>
+          </a:bodyPr>
+          <a:lstStyle/>
+          <a:p>
+            <a:pPr marL="718531" lvl="1" indent="-359265">
+              <a:lnSpc>
+                <a:spcPts val="4659"/>
+              </a:lnSpc>
+              <a:buFont typeface="Arial"/>
+              <a:buChar char="•"/>
+            </a:pPr>
+            <a:r>
+              <a:rPr lang="en-US" sz="3328">
+                <a:solidFill>
+                  <a:srgbClr val="000000"/>
+                </a:solidFill>
+                <a:latin typeface="Canva Sans"/>
+              </a:rPr>
+              <a:t>User interface for blind people</a:t>
+            </a:r>
+          </a:p>
+          <a:p>
+            <a:pPr marL="718531" lvl="1" indent="-359265">
+              <a:lnSpc>
+                <a:spcPts val="4659"/>
+              </a:lnSpc>
+              <a:buFont typeface="Arial"/>
+              <a:buChar char="•"/>
+            </a:pPr>
+            <a:r>
+              <a:rPr lang="en-US" sz="3328">
+                <a:solidFill>
+                  <a:srgbClr val="000000"/>
+                </a:solidFill>
+                <a:latin typeface="Canva Sans"/>
+              </a:rPr>
+              <a:t>Database of government documents</a:t>
+            </a:r>
+          </a:p>
+          <a:p>
+            <a:pPr marL="718531" lvl="1" indent="-359265">
+              <a:lnSpc>
+                <a:spcPts val="4659"/>
+              </a:lnSpc>
+              <a:buFont typeface="Arial"/>
+              <a:buChar char="•"/>
+            </a:pPr>
+            <a:r>
+              <a:rPr lang="en-US" sz="3328">
+                <a:solidFill>
+                  <a:srgbClr val="000000"/>
+                </a:solidFill>
+                <a:latin typeface="Canva Sans"/>
+              </a:rPr>
+              <a:t>Search engine</a:t>
+            </a:r>
+          </a:p>
+          <a:p>
+            <a:pPr>
+              <a:lnSpc>
+                <a:spcPts val="4659"/>
+              </a:lnSpc>
+              <a:spcBef>
+                <a:spcPct val="0"/>
+              </a:spcBef>
+            </a:pPr>
+            <a:endParaRPr lang="en-US" sz="3328">
+              <a:solidFill>
+                <a:srgbClr val="000000"/>
+              </a:solidFill>
+              <a:latin typeface="Canva Sans"/>
+            </a:endParaRPr>
           </a:p>
         </p:txBody>
       </p:sp>
@@ -4956,13 +5302,14 @@
 </file>
 
 <file path=ppt/slides/slide6.xml><?xml version="1.0" encoding="utf-8"?>
-<p:sld xmlns:p="http://schemas.openxmlformats.org/presentationml/2006/main" xmlns:a="http://schemas.openxmlformats.org/drawingml/2006/main">
+<p:sld xmlns:a="http://schemas.openxmlformats.org/drawingml/2006/main" xmlns:r="http://schemas.openxmlformats.org/officeDocument/2006/relationships" xmlns:p="http://schemas.openxmlformats.org/presentationml/2006/main">
   <p:cSld>
     <p:bg>
       <p:bgPr>
         <a:solidFill>
           <a:srgbClr val="F2F2F0"/>
         </a:solidFill>
+        <a:effectLst/>
       </p:bgPr>
     </p:bg>
     <p:spTree>
@@ -4981,12 +5328,12 @@
       </p:grpSpPr>
       <p:sp>
         <p:nvSpPr>
-          <p:cNvPr name="TextBox 2" id="2"/>
-          <p:cNvSpPr txBox="true"/>
+          <p:cNvPr id="2" name="TextBox 2"/>
+          <p:cNvSpPr txBox="1"/>
           <p:nvPr/>
         </p:nvSpPr>
         <p:spPr>
-          <a:xfrm rot="0">
+          <a:xfrm>
             <a:off x="15875034" y="9216415"/>
             <a:ext cx="1384266" cy="287664"/>
           </a:xfrm>
@@ -4995,12 +5342,12 @@
           </a:prstGeom>
         </p:spPr>
         <p:txBody>
-          <a:bodyPr anchor="t" rtlCol="false" tIns="0" lIns="0" bIns="0" rIns="0">
+          <a:bodyPr lIns="0" tIns="0" rIns="0" bIns="0" rtlCol="0" anchor="t">
             <a:spAutoFit/>
           </a:bodyPr>
           <a:lstStyle/>
           <a:p>
-            <a:pPr algn="r" marL="0" indent="0" lvl="0">
+            <a:pPr marL="0" lvl="0" indent="0" algn="r">
               <a:lnSpc>
                 <a:spcPts val="2380"/>
               </a:lnSpc>
@@ -5009,7 +5356,7 @@
               </a:spcBef>
             </a:pPr>
             <a:r>
-              <a:rPr lang="en-US" sz="1700" spc="85" u="none">
+              <a:rPr lang="en-US" sz="1700" u="none" spc="85">
                 <a:solidFill>
                   <a:srgbClr val="FF66C4"/>
                 </a:solidFill>
@@ -5022,12 +5369,12 @@
       </p:sp>
       <p:sp>
         <p:nvSpPr>
-          <p:cNvPr name="TextBox 3" id="3"/>
-          <p:cNvSpPr txBox="true"/>
+          <p:cNvPr id="3" name="TextBox 3"/>
+          <p:cNvSpPr txBox="1"/>
           <p:nvPr/>
         </p:nvSpPr>
         <p:spPr>
-          <a:xfrm rot="0">
+          <a:xfrm>
             <a:off x="415997" y="191923"/>
             <a:ext cx="5820688" cy="1708150"/>
           </a:xfrm>
@@ -5036,7 +5383,254 @@
           </a:prstGeom>
         </p:spPr>
         <p:txBody>
-          <a:bodyPr anchor="t" rtlCol="false" tIns="0" lIns="0" bIns="0" rIns="0">
+          <a:bodyPr lIns="0" tIns="0" rIns="0" bIns="0" rtlCol="0" anchor="t">
+            <a:spAutoFit/>
+          </a:bodyPr>
+          <a:lstStyle/>
+          <a:p>
+            <a:pPr algn="just">
+              <a:lnSpc>
+                <a:spcPts val="13999"/>
+              </a:lnSpc>
+            </a:pPr>
+            <a:r>
+              <a:rPr lang="en-US" sz="9999" spc="499">
+                <a:solidFill>
+                  <a:srgbClr val="FF66C4"/>
+                </a:solidFill>
+                <a:latin typeface="DM Sans"/>
+              </a:rPr>
+              <a:t>04</a:t>
+            </a:r>
+          </a:p>
+        </p:txBody>
+      </p:sp>
+      <p:sp>
+        <p:nvSpPr>
+          <p:cNvPr id="4" name="TextBox 4"/>
+          <p:cNvSpPr txBox="1"/>
+          <p:nvPr/>
+        </p:nvSpPr>
+        <p:spPr>
+          <a:xfrm>
+            <a:off x="2584042" y="599910"/>
+            <a:ext cx="6741799" cy="1149350"/>
+          </a:xfrm>
+          <a:prstGeom prst="rect">
+            <a:avLst/>
+          </a:prstGeom>
+        </p:spPr>
+        <p:txBody>
+          <a:bodyPr lIns="0" tIns="0" rIns="0" bIns="0" rtlCol="0" anchor="t">
+            <a:spAutoFit/>
+          </a:bodyPr>
+          <a:lstStyle/>
+          <a:p>
+            <a:pPr>
+              <a:lnSpc>
+                <a:spcPts val="8800"/>
+              </a:lnSpc>
+            </a:pPr>
+            <a:r>
+              <a:rPr lang="en-US" sz="8000" spc="-400">
+                <a:solidFill>
+                  <a:srgbClr val="000000"/>
+                </a:solidFill>
+                <a:latin typeface="DM Sans"/>
+              </a:rPr>
+              <a:t>Uniqueness</a:t>
+            </a:r>
+          </a:p>
+        </p:txBody>
+      </p:sp>
+      <p:sp>
+        <p:nvSpPr>
+          <p:cNvPr id="5" name="TextBox 5"/>
+          <p:cNvSpPr txBox="1"/>
+          <p:nvPr/>
+        </p:nvSpPr>
+        <p:spPr>
+          <a:xfrm>
+            <a:off x="415997" y="2435761"/>
+            <a:ext cx="16185224" cy="4856047"/>
+          </a:xfrm>
+          <a:prstGeom prst="rect">
+            <a:avLst/>
+          </a:prstGeom>
+        </p:spPr>
+        <p:txBody>
+          <a:bodyPr lIns="0" tIns="0" rIns="0" bIns="0" rtlCol="0" anchor="t">
+            <a:spAutoFit/>
+          </a:bodyPr>
+          <a:lstStyle/>
+          <a:p>
+            <a:pPr>
+              <a:lnSpc>
+                <a:spcPts val="4818"/>
+              </a:lnSpc>
+            </a:pPr>
+            <a:endParaRPr/>
+          </a:p>
+          <a:p>
+            <a:pPr marL="743135" lvl="1" indent="-371568">
+              <a:lnSpc>
+                <a:spcPts val="4818"/>
+              </a:lnSpc>
+              <a:buFont typeface="Arial"/>
+              <a:buChar char="•"/>
+            </a:pPr>
+            <a:r>
+              <a:rPr lang="en-US" sz="3442">
+                <a:solidFill>
+                  <a:srgbClr val="000000"/>
+                </a:solidFill>
+                <a:latin typeface="Canva Sans"/>
+              </a:rPr>
+              <a:t>It is the first website to provide a comprehensive solution to the problem of making government documents accessible to blind people.</a:t>
+            </a:r>
+          </a:p>
+          <a:p>
+            <a:pPr marL="743135" lvl="1" indent="-371568">
+              <a:lnSpc>
+                <a:spcPts val="4818"/>
+              </a:lnSpc>
+              <a:buFont typeface="Arial"/>
+              <a:buChar char="•"/>
+            </a:pPr>
+            <a:r>
+              <a:rPr lang="en-US" sz="3442">
+                <a:solidFill>
+                  <a:srgbClr val="000000"/>
+                </a:solidFill>
+                <a:latin typeface="Canva Sans"/>
+              </a:rPr>
+              <a:t>It uses cutting-edge technology to provide a high-quality experience for users.</a:t>
+            </a:r>
+          </a:p>
+          <a:p>
+            <a:pPr marL="743135" lvl="1" indent="-371568">
+              <a:lnSpc>
+                <a:spcPts val="4818"/>
+              </a:lnSpc>
+              <a:buFont typeface="Arial"/>
+              <a:buChar char="•"/>
+            </a:pPr>
+            <a:r>
+              <a:rPr lang="en-US" sz="3442">
+                <a:solidFill>
+                  <a:srgbClr val="000000"/>
+                </a:solidFill>
+                <a:latin typeface="Canva Sans"/>
+              </a:rPr>
+              <a:t>It is designed to be user-friendly and accessible to people with all levels of visual impairment.</a:t>
+            </a:r>
+          </a:p>
+          <a:p>
+            <a:pPr algn="ctr">
+              <a:lnSpc>
+                <a:spcPts val="4818"/>
+              </a:lnSpc>
+            </a:pPr>
+            <a:endParaRPr lang="en-US" sz="3442">
+              <a:solidFill>
+                <a:srgbClr val="000000"/>
+              </a:solidFill>
+              <a:latin typeface="Canva Sans"/>
+            </a:endParaRPr>
+          </a:p>
+        </p:txBody>
+      </p:sp>
+    </p:spTree>
+  </p:cSld>
+  <p:clrMapOvr>
+    <a:masterClrMapping/>
+  </p:clrMapOvr>
+</p:sld>
+</file>
+
+<file path=ppt/slides/slide7.xml><?xml version="1.0" encoding="utf-8"?>
+<p:sld xmlns:a="http://schemas.openxmlformats.org/drawingml/2006/main" xmlns:r="http://schemas.openxmlformats.org/officeDocument/2006/relationships" xmlns:p="http://schemas.openxmlformats.org/presentationml/2006/main">
+  <p:cSld>
+    <p:bg>
+      <p:bgPr>
+        <a:solidFill>
+          <a:srgbClr val="F2F2F0"/>
+        </a:solidFill>
+        <a:effectLst/>
+      </p:bgPr>
+    </p:bg>
+    <p:spTree>
+      <p:nvGrpSpPr>
+        <p:cNvPr id="1" name=""/>
+        <p:cNvGrpSpPr/>
+        <p:nvPr/>
+      </p:nvGrpSpPr>
+      <p:grpSpPr>
+        <a:xfrm>
+          <a:off x="0" y="0"/>
+          <a:ext cx="0" cy="0"/>
+          <a:chOff x="0" y="0"/>
+          <a:chExt cx="0" cy="0"/>
+        </a:xfrm>
+      </p:grpSpPr>
+      <p:sp>
+        <p:nvSpPr>
+          <p:cNvPr id="2" name="TextBox 2"/>
+          <p:cNvSpPr txBox="1"/>
+          <p:nvPr/>
+        </p:nvSpPr>
+        <p:spPr>
+          <a:xfrm>
+            <a:off x="15875034" y="9216415"/>
+            <a:ext cx="1384266" cy="287664"/>
+          </a:xfrm>
+          <a:prstGeom prst="rect">
+            <a:avLst/>
+          </a:prstGeom>
+        </p:spPr>
+        <p:txBody>
+          <a:bodyPr lIns="0" tIns="0" rIns="0" bIns="0" rtlCol="0" anchor="t">
+            <a:spAutoFit/>
+          </a:bodyPr>
+          <a:lstStyle/>
+          <a:p>
+            <a:pPr marL="0" lvl="0" indent="0" algn="r">
+              <a:lnSpc>
+                <a:spcPts val="2380"/>
+              </a:lnSpc>
+              <a:spcBef>
+                <a:spcPct val="0"/>
+              </a:spcBef>
+            </a:pPr>
+            <a:r>
+              <a:rPr lang="en-US" sz="1700" u="none" spc="85">
+                <a:solidFill>
+                  <a:srgbClr val="FF66C4"/>
+                </a:solidFill>
+                <a:latin typeface="DM Sans Bold"/>
+              </a:rPr>
+              <a:t>NEXT</a:t>
+            </a:r>
+          </a:p>
+        </p:txBody>
+      </p:sp>
+      <p:sp>
+        <p:nvSpPr>
+          <p:cNvPr id="3" name="TextBox 3"/>
+          <p:cNvSpPr txBox="1"/>
+          <p:nvPr/>
+        </p:nvSpPr>
+        <p:spPr>
+          <a:xfrm>
+            <a:off x="415997" y="191923"/>
+            <a:ext cx="5820688" cy="1708150"/>
+          </a:xfrm>
+          <a:prstGeom prst="rect">
+            <a:avLst/>
+          </a:prstGeom>
+        </p:spPr>
+        <p:txBody>
+          <a:bodyPr lIns="0" tIns="0" rIns="0" bIns="0" rtlCol="0" anchor="t">
             <a:spAutoFit/>
           </a:bodyPr>
           <a:lstStyle/>
@@ -5060,12 +5654,12 @@
       </p:sp>
       <p:sp>
         <p:nvSpPr>
-          <p:cNvPr name="TextBox 4" id="4"/>
-          <p:cNvSpPr txBox="true"/>
+          <p:cNvPr id="4" name="TextBox 4"/>
+          <p:cNvSpPr txBox="1"/>
           <p:nvPr/>
         </p:nvSpPr>
         <p:spPr>
-          <a:xfrm rot="0">
+          <a:xfrm>
             <a:off x="2558065" y="449098"/>
             <a:ext cx="12924390" cy="1149350"/>
           </a:xfrm>
@@ -5074,7 +5668,7 @@
           </a:prstGeom>
         </p:spPr>
         <p:txBody>
-          <a:bodyPr anchor="t" rtlCol="false" tIns="0" lIns="0" bIns="0" rIns="0">
+          <a:bodyPr lIns="0" tIns="0" rIns="0" bIns="0" rtlCol="0" anchor="t">
             <a:spAutoFit/>
           </a:bodyPr>
           <a:lstStyle/>
@@ -5098,12 +5692,12 @@
       </p:sp>
       <p:sp>
         <p:nvSpPr>
-          <p:cNvPr name="TextBox 5" id="5"/>
-          <p:cNvSpPr txBox="true"/>
+          <p:cNvPr id="5" name="TextBox 5"/>
+          <p:cNvSpPr txBox="1"/>
           <p:nvPr/>
         </p:nvSpPr>
         <p:spPr>
-          <a:xfrm rot="0">
+          <a:xfrm>
             <a:off x="514350" y="2045958"/>
             <a:ext cx="17259300" cy="6684847"/>
           </a:xfrm>
@@ -5112,7 +5706,7 @@
           </a:prstGeom>
         </p:spPr>
         <p:txBody>
-          <a:bodyPr anchor="t" rtlCol="false" tIns="0" lIns="0" bIns="0" rIns="0">
+          <a:bodyPr lIns="0" tIns="0" rIns="0" bIns="0" rtlCol="0" anchor="t">
             <a:spAutoFit/>
           </a:bodyPr>
           <a:lstStyle/>
@@ -5122,9 +5716,10 @@
                 <a:spcPts val="4818"/>
               </a:lnSpc>
             </a:pPr>
-          </a:p>
-          <a:p>
-            <a:pPr marL="743135" indent="-371568" lvl="1">
+            <a:endParaRPr/>
+          </a:p>
+          <a:p>
+            <a:pPr marL="743135" lvl="1" indent="-371568">
               <a:lnSpc>
                 <a:spcPts val="4818"/>
               </a:lnSpc>
@@ -5142,7 +5737,7 @@
             </a:r>
           </a:p>
           <a:p>
-            <a:pPr marL="1486271" indent="-495424" lvl="2">
+            <a:pPr marL="1486271" lvl="2" indent="-495424">
               <a:lnSpc>
                 <a:spcPts val="4818"/>
               </a:lnSpc>
@@ -5160,7 +5755,7 @@
             </a:r>
           </a:p>
           <a:p>
-            <a:pPr marL="1486271" indent="-495424" lvl="2">
+            <a:pPr marL="1486271" lvl="2" indent="-495424">
               <a:lnSpc>
                 <a:spcPts val="4818"/>
               </a:lnSpc>
@@ -5178,7 +5773,7 @@
             </a:r>
           </a:p>
           <a:p>
-            <a:pPr marL="743135" indent="-371568" lvl="1">
+            <a:pPr marL="743135" lvl="1" indent="-371568">
               <a:lnSpc>
                 <a:spcPts val="4818"/>
               </a:lnSpc>
@@ -5196,7 +5791,7 @@
             </a:r>
           </a:p>
           <a:p>
-            <a:pPr marL="1486271" indent="-495424" lvl="2">
+            <a:pPr marL="1486271" lvl="2" indent="-495424">
               <a:lnSpc>
                 <a:spcPts val="4818"/>
               </a:lnSpc>
@@ -5214,7 +5809,7 @@
             </a:r>
           </a:p>
           <a:p>
-            <a:pPr marL="1486271" indent="-495424" lvl="2">
+            <a:pPr marL="1486271" lvl="2" indent="-495424">
               <a:lnSpc>
                 <a:spcPts val="4818"/>
               </a:lnSpc>
@@ -5232,7 +5827,7 @@
             </a:r>
           </a:p>
           <a:p>
-            <a:pPr marL="1486271" indent="-495424" lvl="2">
+            <a:pPr marL="1486271" lvl="2" indent="-495424">
               <a:lnSpc>
                 <a:spcPts val="4818"/>
               </a:lnSpc>
@@ -5255,6 +5850,12 @@
                 <a:spcPts val="4818"/>
               </a:lnSpc>
             </a:pPr>
+            <a:endParaRPr lang="en-US" sz="3442">
+              <a:solidFill>
+                <a:srgbClr val="000000"/>
+              </a:solidFill>
+              <a:latin typeface="Canva Sans"/>
+            </a:endParaRPr>
           </a:p>
           <a:p>
             <a:pPr algn="ctr">
@@ -5262,10 +5863,306 @@
                 <a:spcPts val="4818"/>
               </a:lnSpc>
             </a:pPr>
+            <a:endParaRPr lang="en-US" sz="3442">
+              <a:solidFill>
+                <a:srgbClr val="000000"/>
+              </a:solidFill>
+              <a:latin typeface="Canva Sans"/>
+            </a:endParaRPr>
           </a:p>
         </p:txBody>
       </p:sp>
     </p:spTree>
+  </p:cSld>
+  <p:clrMapOvr>
+    <a:masterClrMapping/>
+  </p:clrMapOvr>
+</p:sld>
+</file>
+
+<file path=ppt/slides/slide8.xml><?xml version="1.0" encoding="utf-8"?>
+<p:sld xmlns:a="http://schemas.openxmlformats.org/drawingml/2006/main" xmlns:r="http://schemas.openxmlformats.org/officeDocument/2006/relationships" xmlns:p="http://schemas.openxmlformats.org/presentationml/2006/main">
+  <p:cSld>
+    <p:bg>
+      <p:bgPr>
+        <a:solidFill>
+          <a:srgbClr val="F2F2F0"/>
+        </a:solidFill>
+        <a:effectLst/>
+      </p:bgPr>
+    </p:bg>
+    <p:spTree>
+      <p:nvGrpSpPr>
+        <p:cNvPr id="1" name=""/>
+        <p:cNvGrpSpPr/>
+        <p:nvPr/>
+      </p:nvGrpSpPr>
+      <p:grpSpPr>
+        <a:xfrm>
+          <a:off x="0" y="0"/>
+          <a:ext cx="0" cy="0"/>
+          <a:chOff x="0" y="0"/>
+          <a:chExt cx="0" cy="0"/>
+        </a:xfrm>
+      </p:grpSpPr>
+      <p:grpSp>
+        <p:nvGrpSpPr>
+          <p:cNvPr id="2" name="Group 2"/>
+          <p:cNvGrpSpPr/>
+          <p:nvPr/>
+        </p:nvGrpSpPr>
+        <p:grpSpPr>
+          <a:xfrm>
+            <a:off x="-9525" y="0"/>
+            <a:ext cx="18288000" cy="10287000"/>
+            <a:chOff x="0" y="0"/>
+            <a:chExt cx="6186311" cy="3479800"/>
+          </a:xfrm>
+        </p:grpSpPr>
+        <p:sp>
+          <p:nvSpPr>
+            <p:cNvPr id="3" name="Freeform 3"/>
+            <p:cNvSpPr/>
+            <p:nvPr/>
+          </p:nvSpPr>
+          <p:spPr>
+            <a:xfrm>
+              <a:off x="0" y="0"/>
+              <a:ext cx="6186311" cy="3479800"/>
+            </a:xfrm>
+            <a:custGeom>
+              <a:avLst/>
+              <a:gdLst/>
+              <a:ahLst/>
+              <a:cxnLst/>
+              <a:rect l="l" t="t" r="r" b="b"/>
+              <a:pathLst>
+                <a:path w="6186311" h="3479800">
+                  <a:moveTo>
+                    <a:pt x="0" y="0"/>
+                  </a:moveTo>
+                  <a:lnTo>
+                    <a:pt x="0" y="3479800"/>
+                  </a:lnTo>
+                  <a:lnTo>
+                    <a:pt x="6186311" y="3479800"/>
+                  </a:lnTo>
+                  <a:lnTo>
+                    <a:pt x="6186311" y="0"/>
+                  </a:lnTo>
+                  <a:lnTo>
+                    <a:pt x="0" y="0"/>
+                  </a:lnTo>
+                  <a:close/>
+                  <a:moveTo>
+                    <a:pt x="6125351" y="3418840"/>
+                  </a:moveTo>
+                  <a:lnTo>
+                    <a:pt x="59690" y="3418840"/>
+                  </a:lnTo>
+                  <a:lnTo>
+                    <a:pt x="59690" y="59690"/>
+                  </a:lnTo>
+                  <a:lnTo>
+                    <a:pt x="6125351" y="59690"/>
+                  </a:lnTo>
+                  <a:lnTo>
+                    <a:pt x="6125351" y="3418840"/>
+                  </a:lnTo>
+                  <a:close/>
+                </a:path>
+              </a:pathLst>
+            </a:custGeom>
+            <a:solidFill>
+              <a:srgbClr val="FDFDFD"/>
+            </a:solidFill>
+          </p:spPr>
+          <p:txBody>
+            <a:bodyPr/>
+            <a:lstStyle/>
+            <a:p>
+              <a:endParaRPr lang="LID4096"/>
+            </a:p>
+          </p:txBody>
+        </p:sp>
+      </p:grpSp>
+      <p:sp>
+        <p:nvSpPr>
+          <p:cNvPr id="4" name="TextBox 4"/>
+          <p:cNvSpPr txBox="1"/>
+          <p:nvPr/>
+        </p:nvSpPr>
+        <p:spPr>
+          <a:xfrm>
+            <a:off x="15875034" y="9216415"/>
+            <a:ext cx="1384266" cy="287664"/>
+          </a:xfrm>
+          <a:prstGeom prst="rect">
+            <a:avLst/>
+          </a:prstGeom>
+        </p:spPr>
+        <p:txBody>
+          <a:bodyPr lIns="0" tIns="0" rIns="0" bIns="0" rtlCol="0" anchor="t">
+            <a:spAutoFit/>
+          </a:bodyPr>
+          <a:lstStyle/>
+          <a:p>
+            <a:pPr marL="0" lvl="0" indent="0" algn="r">
+              <a:lnSpc>
+                <a:spcPts val="2380"/>
+              </a:lnSpc>
+              <a:spcBef>
+                <a:spcPct val="0"/>
+              </a:spcBef>
+            </a:pPr>
+            <a:r>
+              <a:rPr lang="en-US" sz="1700" u="none" spc="85">
+                <a:solidFill>
+                  <a:srgbClr val="FF66C4"/>
+                </a:solidFill>
+                <a:latin typeface="DM Sans Bold"/>
+              </a:rPr>
+              <a:t>NEXT</a:t>
+            </a:r>
+          </a:p>
+        </p:txBody>
+      </p:sp>
+      <p:pic>
+        <p:nvPicPr>
+          <p:cNvPr id="5" name="Picture 4">
+            <a:extLst>
+              <a:ext uri="{FF2B5EF4-FFF2-40B4-BE49-F238E27FC236}">
+                <a16:creationId xmlns:a16="http://schemas.microsoft.com/office/drawing/2014/main" id="{85CF50B9-FBCD-D9CF-20A3-DC766EFAF182}"/>
+              </a:ext>
+            </a:extLst>
+          </p:cNvPr>
+          <p:cNvPicPr>
+            <a:picLocks noChangeAspect="1"/>
+          </p:cNvPicPr>
+          <p:nvPr/>
+        </p:nvPicPr>
+        <p:blipFill rotWithShape="1">
+          <a:blip r:embed="rId2">
+            <a:extLst>
+              <a:ext uri="{28A0092B-C50C-407E-A947-70E740481C1C}">
+                <a14:useLocalDpi xmlns:a14="http://schemas.microsoft.com/office/drawing/2010/main" val="0"/>
+              </a:ext>
+            </a:extLst>
+          </a:blip>
+          <a:srcRect t="-381" r="4423" b="1"/>
+          <a:stretch/>
+        </p:blipFill>
+        <p:spPr>
+          <a:xfrm>
+            <a:off x="762000" y="4183144"/>
+            <a:ext cx="8991599" cy="5837156"/>
+          </a:xfrm>
+          <a:prstGeom prst="rect">
+            <a:avLst/>
+          </a:prstGeom>
+        </p:spPr>
+      </p:pic>
+      <p:sp>
+        <p:nvSpPr>
+          <p:cNvPr id="6" name="TextBox 5">
+            <a:extLst>
+              <a:ext uri="{FF2B5EF4-FFF2-40B4-BE49-F238E27FC236}">
+                <a16:creationId xmlns:a16="http://schemas.microsoft.com/office/drawing/2014/main" id="{0475A3B5-B9F4-C8DF-53FC-329F9C6C1126}"/>
+              </a:ext>
+            </a:extLst>
+          </p:cNvPr>
+          <p:cNvSpPr txBox="1"/>
+          <p:nvPr/>
+        </p:nvSpPr>
+        <p:spPr>
+          <a:xfrm>
+            <a:off x="2912971" y="1368297"/>
+            <a:ext cx="4214936" cy="1446550"/>
+          </a:xfrm>
+          <a:prstGeom prst="rect">
+            <a:avLst/>
+          </a:prstGeom>
+          <a:noFill/>
+        </p:spPr>
+        <p:txBody>
+          <a:bodyPr wrap="none" rtlCol="0">
+            <a:spAutoFit/>
+          </a:bodyPr>
+          <a:lstStyle/>
+          <a:p>
+            <a:r>
+              <a:rPr lang="en-IN" sz="8800" b="1" dirty="0"/>
+              <a:t>Snippets</a:t>
+            </a:r>
+            <a:endParaRPr lang="LID4096" sz="5400" b="1" dirty="0"/>
+          </a:p>
+        </p:txBody>
+      </p:sp>
+      <p:pic>
+        <p:nvPicPr>
+          <p:cNvPr id="8" name="Picture 7">
+            <a:extLst>
+              <a:ext uri="{FF2B5EF4-FFF2-40B4-BE49-F238E27FC236}">
+                <a16:creationId xmlns:a16="http://schemas.microsoft.com/office/drawing/2014/main" id="{20FC726A-DF15-6813-E48A-8ABEAEA81E91}"/>
+              </a:ext>
+            </a:extLst>
+          </p:cNvPr>
+          <p:cNvPicPr>
+            <a:picLocks noChangeAspect="1"/>
+          </p:cNvPicPr>
+          <p:nvPr/>
+        </p:nvPicPr>
+        <p:blipFill>
+          <a:blip r:embed="rId3"/>
+          <a:stretch>
+            <a:fillRect/>
+          </a:stretch>
+        </p:blipFill>
+        <p:spPr>
+          <a:xfrm>
+            <a:off x="10134600" y="4914900"/>
+            <a:ext cx="7923848" cy="4952405"/>
+          </a:xfrm>
+          <a:prstGeom prst="rect">
+            <a:avLst/>
+          </a:prstGeom>
+        </p:spPr>
+      </p:pic>
+      <p:pic>
+        <p:nvPicPr>
+          <p:cNvPr id="11" name="Picture 10">
+            <a:extLst>
+              <a:ext uri="{FF2B5EF4-FFF2-40B4-BE49-F238E27FC236}">
+                <a16:creationId xmlns:a16="http://schemas.microsoft.com/office/drawing/2014/main" id="{5F6122FD-6AC4-541F-651D-504BA05AB5B6}"/>
+              </a:ext>
+            </a:extLst>
+          </p:cNvPr>
+          <p:cNvPicPr>
+            <a:picLocks noChangeAspect="1"/>
+          </p:cNvPicPr>
+          <p:nvPr/>
+        </p:nvPicPr>
+        <p:blipFill rotWithShape="1">
+          <a:blip r:embed="rId4"/>
+          <a:srcRect l="23204" t="-4185" r="323" b="34480"/>
+          <a:stretch/>
+        </p:blipFill>
+        <p:spPr>
+          <a:xfrm>
+            <a:off x="10119532" y="114300"/>
+            <a:ext cx="7938916" cy="4522668"/>
+          </a:xfrm>
+          <a:prstGeom prst="rect">
+            <a:avLst/>
+          </a:prstGeom>
+        </p:spPr>
+      </p:pic>
+    </p:spTree>
+    <p:extLst>
+      <p:ext uri="{BB962C8B-B14F-4D97-AF65-F5344CB8AC3E}">
+        <p14:creationId xmlns:p14="http://schemas.microsoft.com/office/powerpoint/2010/main" val="1978070845"/>
+      </p:ext>
+    </p:extLst>
   </p:cSld>
   <p:clrMapOvr>
     <a:masterClrMapping/>
@@ -5554,4 +6451,299 @@
   <a:objectDefaults/>
   <a:extraClrSchemeLst/>
 </a:theme>
+</file>
+
+<file path=ppt/theme/theme2.xml><?xml version="1.0" encoding="utf-8"?>
+<a:theme xmlns:a="http://schemas.openxmlformats.org/drawingml/2006/main" name="Office Theme">
+  <a:themeElements>
+    <a:clrScheme name="Office">
+      <a:dk1>
+        <a:sysClr val="windowText" lastClr="000000"/>
+      </a:dk1>
+      <a:lt1>
+        <a:sysClr val="window" lastClr="FFFFFF"/>
+      </a:lt1>
+      <a:dk2>
+        <a:srgbClr val="44546A"/>
+      </a:dk2>
+      <a:lt2>
+        <a:srgbClr val="E7E6E6"/>
+      </a:lt2>
+      <a:accent1>
+        <a:srgbClr val="4472C4"/>
+      </a:accent1>
+      <a:accent2>
+        <a:srgbClr val="ED7D31"/>
+      </a:accent2>
+      <a:accent3>
+        <a:srgbClr val="A5A5A5"/>
+      </a:accent3>
+      <a:accent4>
+        <a:srgbClr val="FFC000"/>
+      </a:accent4>
+      <a:accent5>
+        <a:srgbClr val="5B9BD5"/>
+      </a:accent5>
+      <a:accent6>
+        <a:srgbClr val="70AD47"/>
+      </a:accent6>
+      <a:hlink>
+        <a:srgbClr val="0563C1"/>
+      </a:hlink>
+      <a:folHlink>
+        <a:srgbClr val="954F72"/>
+      </a:folHlink>
+    </a:clrScheme>
+    <a:fontScheme name="Office">
+      <a:majorFont>
+        <a:latin typeface="Calibri Light" panose="020F0302020204030204"/>
+        <a:ea typeface=""/>
+        <a:cs typeface=""/>
+        <a:font script="Jpan" typeface="游ゴシック Light"/>
+        <a:font script="Hang" typeface="맑은 고딕"/>
+        <a:font script="Hans" typeface="等线 Light"/>
+        <a:font script="Hant" typeface="新細明體"/>
+        <a:font script="Arab" typeface="Times New Roman"/>
+        <a:font script="Hebr" typeface="Times New Roman"/>
+        <a:font script="Thai" typeface="Angsana New"/>
+        <a:font script="Ethi" typeface="Nyala"/>
+        <a:font script="Beng" typeface="Vrinda"/>
+        <a:font script="Gujr" typeface="Shruti"/>
+        <a:font script="Khmr" typeface="MoolBoran"/>
+        <a:font script="Knda" typeface="Tunga"/>
+        <a:font script="Guru" typeface="Raavi"/>
+        <a:font script="Cans" typeface="Euphemia"/>
+        <a:font script="Cher" typeface="Plantagenet Cherokee"/>
+        <a:font script="Yiii" typeface="Microsoft Yi Baiti"/>
+        <a:font script="Tibt" typeface="Microsoft Himalaya"/>
+        <a:font script="Thaa" typeface="MV Boli"/>
+        <a:font script="Deva" typeface="Mangal"/>
+        <a:font script="Telu" typeface="Gautami"/>
+        <a:font script="Taml" typeface="Latha"/>
+        <a:font script="Syrc" typeface="Estrangelo Edessa"/>
+        <a:font script="Orya" typeface="Kalinga"/>
+        <a:font script="Mlym" typeface="Kartika"/>
+        <a:font script="Laoo" typeface="DokChampa"/>
+        <a:font script="Sinh" typeface="Iskoola Pota"/>
+        <a:font script="Mong" typeface="Mongolian Baiti"/>
+        <a:font script="Viet" typeface="Times New Roman"/>
+        <a:font script="Uigh" typeface="Microsoft Uighur"/>
+        <a:font script="Geor" typeface="Sylfaen"/>
+        <a:font script="Armn" typeface="Arial"/>
+        <a:font script="Bugi" typeface="Leelawadee UI"/>
+        <a:font script="Bopo" typeface="Microsoft JhengHei"/>
+        <a:font script="Java" typeface="Javanese Text"/>
+        <a:font script="Lisu" typeface="Segoe UI"/>
+        <a:font script="Mymr" typeface="Myanmar Text"/>
+        <a:font script="Nkoo" typeface="Ebrima"/>
+        <a:font script="Olck" typeface="Nirmala UI"/>
+        <a:font script="Osma" typeface="Ebrima"/>
+        <a:font script="Phag" typeface="Phagspa"/>
+        <a:font script="Syrn" typeface="Estrangelo Edessa"/>
+        <a:font script="Syrj" typeface="Estrangelo Edessa"/>
+        <a:font script="Syre" typeface="Estrangelo Edessa"/>
+        <a:font script="Sora" typeface="Nirmala UI"/>
+        <a:font script="Tale" typeface="Microsoft Tai Le"/>
+        <a:font script="Talu" typeface="Microsoft New Tai Lue"/>
+        <a:font script="Tfng" typeface="Ebrima"/>
+      </a:majorFont>
+      <a:minorFont>
+        <a:latin typeface="Calibri" panose="020F0502020204030204"/>
+        <a:ea typeface=""/>
+        <a:cs typeface=""/>
+        <a:font script="Jpan" typeface="游ゴシック"/>
+        <a:font script="Hang" typeface="맑은 고딕"/>
+        <a:font script="Hans" typeface="等线"/>
+        <a:font script="Hant" typeface="新細明體"/>
+        <a:font script="Arab" typeface="Arial"/>
+        <a:font script="Hebr" typeface="Arial"/>
+        <a:font script="Thai" typeface="Cordia New"/>
+        <a:font script="Ethi" typeface="Nyala"/>
+        <a:font script="Beng" typeface="Vrinda"/>
+        <a:font script="Gujr" typeface="Shruti"/>
+        <a:font script="Khmr" typeface="DaunPenh"/>
+        <a:font script="Knda" typeface="Tunga"/>
+        <a:font script="Guru" typeface="Raavi"/>
+        <a:font script="Cans" typeface="Euphemia"/>
+        <a:font script="Cher" typeface="Plantagenet Cherokee"/>
+        <a:font script="Yiii" typeface="Microsoft Yi Baiti"/>
+        <a:font script="Tibt" typeface="Microsoft Himalaya"/>
+        <a:font script="Thaa" typeface="MV Boli"/>
+        <a:font script="Deva" typeface="Mangal"/>
+        <a:font script="Telu" typeface="Gautami"/>
+        <a:font script="Taml" typeface="Latha"/>
+        <a:font script="Syrc" typeface="Estrangelo Edessa"/>
+        <a:font script="Orya" typeface="Kalinga"/>
+        <a:font script="Mlym" typeface="Kartika"/>
+        <a:font script="Laoo" typeface="DokChampa"/>
+        <a:font script="Sinh" typeface="Iskoola Pota"/>
+        <a:font script="Mong" typeface="Mongolian Baiti"/>
+        <a:font script="Viet" typeface="Arial"/>
+        <a:font script="Uigh" typeface="Microsoft Uighur"/>
+        <a:font script="Geor" typeface="Sylfaen"/>
+        <a:font script="Armn" typeface="Arial"/>
+        <a:font script="Bugi" typeface="Leelawadee UI"/>
+        <a:font script="Bopo" typeface="Microsoft JhengHei"/>
+        <a:font script="Java" typeface="Javanese Text"/>
+        <a:font script="Lisu" typeface="Segoe UI"/>
+        <a:font script="Mymr" typeface="Myanmar Text"/>
+        <a:font script="Nkoo" typeface="Ebrima"/>
+        <a:font script="Olck" typeface="Nirmala UI"/>
+        <a:font script="Osma" typeface="Ebrima"/>
+        <a:font script="Phag" typeface="Phagspa"/>
+        <a:font script="Syrn" typeface="Estrangelo Edessa"/>
+        <a:font script="Syrj" typeface="Estrangelo Edessa"/>
+        <a:font script="Syre" typeface="Estrangelo Edessa"/>
+        <a:font script="Sora" typeface="Nirmala UI"/>
+        <a:font script="Tale" typeface="Microsoft Tai Le"/>
+        <a:font script="Talu" typeface="Microsoft New Tai Lue"/>
+        <a:font script="Tfng" typeface="Ebrima"/>
+      </a:minorFont>
+    </a:fontScheme>
+    <a:fmtScheme name="Office">
+      <a:fillStyleLst>
+        <a:solidFill>
+          <a:schemeClr val="phClr"/>
+        </a:solidFill>
+        <a:gradFill rotWithShape="1">
+          <a:gsLst>
+            <a:gs pos="0">
+              <a:schemeClr val="phClr">
+                <a:lumMod val="110000"/>
+                <a:satMod val="105000"/>
+                <a:tint val="67000"/>
+              </a:schemeClr>
+            </a:gs>
+            <a:gs pos="50000">
+              <a:schemeClr val="phClr">
+                <a:lumMod val="105000"/>
+                <a:satMod val="103000"/>
+                <a:tint val="73000"/>
+              </a:schemeClr>
+            </a:gs>
+            <a:gs pos="100000">
+              <a:schemeClr val="phClr">
+                <a:lumMod val="105000"/>
+                <a:satMod val="109000"/>
+                <a:tint val="81000"/>
+              </a:schemeClr>
+            </a:gs>
+          </a:gsLst>
+          <a:lin ang="5400000" scaled="0"/>
+        </a:gradFill>
+        <a:gradFill rotWithShape="1">
+          <a:gsLst>
+            <a:gs pos="0">
+              <a:schemeClr val="phClr">
+                <a:satMod val="103000"/>
+                <a:lumMod val="102000"/>
+                <a:tint val="94000"/>
+              </a:schemeClr>
+            </a:gs>
+            <a:gs pos="50000">
+              <a:schemeClr val="phClr">
+                <a:satMod val="110000"/>
+                <a:lumMod val="100000"/>
+                <a:shade val="100000"/>
+              </a:schemeClr>
+            </a:gs>
+            <a:gs pos="100000">
+              <a:schemeClr val="phClr">
+                <a:lumMod val="99000"/>
+                <a:satMod val="120000"/>
+                <a:shade val="78000"/>
+              </a:schemeClr>
+            </a:gs>
+          </a:gsLst>
+          <a:lin ang="5400000" scaled="0"/>
+        </a:gradFill>
+      </a:fillStyleLst>
+      <a:lnStyleLst>
+        <a:ln w="6350" cap="flat" cmpd="sng" algn="ctr">
+          <a:solidFill>
+            <a:schemeClr val="phClr"/>
+          </a:solidFill>
+          <a:prstDash val="solid"/>
+          <a:miter lim="800000"/>
+        </a:ln>
+        <a:ln w="12700" cap="flat" cmpd="sng" algn="ctr">
+          <a:solidFill>
+            <a:schemeClr val="phClr"/>
+          </a:solidFill>
+          <a:prstDash val="solid"/>
+          <a:miter lim="800000"/>
+        </a:ln>
+        <a:ln w="19050" cap="flat" cmpd="sng" algn="ctr">
+          <a:solidFill>
+            <a:schemeClr val="phClr"/>
+          </a:solidFill>
+          <a:prstDash val="solid"/>
+          <a:miter lim="800000"/>
+        </a:ln>
+      </a:lnStyleLst>
+      <a:effectStyleLst>
+        <a:effectStyle>
+          <a:effectLst/>
+        </a:effectStyle>
+        <a:effectStyle>
+          <a:effectLst/>
+        </a:effectStyle>
+        <a:effectStyle>
+          <a:effectLst>
+            <a:outerShdw blurRad="57150" dist="19050" dir="5400000" algn="ctr" rotWithShape="0">
+              <a:srgbClr val="000000">
+                <a:alpha val="63000"/>
+              </a:srgbClr>
+            </a:outerShdw>
+          </a:effectLst>
+        </a:effectStyle>
+      </a:effectStyleLst>
+      <a:bgFillStyleLst>
+        <a:solidFill>
+          <a:schemeClr val="phClr"/>
+        </a:solidFill>
+        <a:solidFill>
+          <a:schemeClr val="phClr">
+            <a:tint val="95000"/>
+            <a:satMod val="170000"/>
+          </a:schemeClr>
+        </a:solidFill>
+        <a:gradFill rotWithShape="1">
+          <a:gsLst>
+            <a:gs pos="0">
+              <a:schemeClr val="phClr">
+                <a:tint val="93000"/>
+                <a:satMod val="150000"/>
+                <a:shade val="98000"/>
+                <a:lumMod val="102000"/>
+              </a:schemeClr>
+            </a:gs>
+            <a:gs pos="50000">
+              <a:schemeClr val="phClr">
+                <a:tint val="98000"/>
+                <a:satMod val="130000"/>
+                <a:shade val="90000"/>
+                <a:lumMod val="103000"/>
+              </a:schemeClr>
+            </a:gs>
+            <a:gs pos="100000">
+              <a:schemeClr val="phClr">
+                <a:shade val="63000"/>
+                <a:satMod val="120000"/>
+              </a:schemeClr>
+            </a:gs>
+          </a:gsLst>
+          <a:lin ang="5400000" scaled="0"/>
+        </a:gradFill>
+      </a:bgFillStyleLst>
+    </a:fmtScheme>
+  </a:themeElements>
+  <a:objectDefaults/>
+  <a:extraClrSchemeLst/>
+  <a:extLst>
+    <a:ext uri="{05A4C25C-085E-4340-85A3-A5531E510DB2}">
+      <thm15:themeFamily xmlns:thm15="http://schemas.microsoft.com/office/thememl/2012/main" name="Office Theme" id="{62F939B6-93AF-4DB8-9C6B-D6C7DFDC589F}" vid="{4A3C46E8-61CC-4603-A589-7422A47A8E4A}"/>
+    </a:ext>
+  </a:extLst>
+</a:theme>
 </file>